--- a/notes/why_pairing.pptx
+++ b/notes/why_pairing.pptx
@@ -894,46 +894,7 @@
       </p:grpSpPr>
       <p:sp>
         <p:nvSpPr>
-          <p:cNvPr id="93" name="Google Shape;93;p3:notes"/>
-          <p:cNvSpPr txBox="1"/>
-          <p:nvPr>
-            <p:ph idx="1" type="body"/>
-          </p:nvPr>
-        </p:nvSpPr>
-        <p:spPr>
-          <a:xfrm>
-            <a:off x="685800" y="4343400"/>
-            <a:ext cx="5486400" cy="4114800"/>
-          </a:xfrm>
-          <a:prstGeom prst="rect">
-            <a:avLst/>
-          </a:prstGeom>
-        </p:spPr>
-        <p:txBody>
-          <a:bodyPr anchorCtr="0" anchor="t" bIns="91425" lIns="91425" spcFirstLastPara="1" rIns="91425" wrap="square" tIns="91425">
-            <a:noAutofit/>
-          </a:bodyPr>
-          <a:lstStyle/>
-          <a:p>
-            <a:pPr indent="0" lvl="0" marL="0" rtl="0" algn="l">
-              <a:spcBef>
-                <a:spcPts val="0"/>
-              </a:spcBef>
-              <a:spcAft>
-                <a:spcPts val="0"/>
-              </a:spcAft>
-              <a:buNone/>
-            </a:pPr>
-            <a:r>
-              <a:t/>
-            </a:r>
-            <a:endParaRPr/>
-          </a:p>
-        </p:txBody>
-      </p:sp>
-      <p:sp>
-        <p:nvSpPr>
-          <p:cNvPr id="94" name="Google Shape;94;p3:notes"/>
+          <p:cNvPr id="93" name="Google Shape;93;g60c98efe67_0_5:notes"/>
           <p:cNvSpPr/>
           <p:nvPr>
             <p:ph idx="2" type="sldImg"/>
@@ -942,7 +903,7 @@
         <p:spPr>
           <a:xfrm>
             <a:off x="1143225" y="685800"/>
-            <a:ext cx="4572225" cy="3429000"/>
+            <a:ext cx="4572300" cy="3429000"/>
           </a:xfrm>
           <a:custGeom>
             <a:rect b="b" l="l" r="r" t="t"/>
@@ -966,34 +927,9 @@
           </a:custGeom>
         </p:spPr>
       </p:sp>
-    </p:spTree>
-  </p:cSld>
-  <p:clrMapOvr>
-    <a:masterClrMapping/>
-  </p:clrMapOvr>
-</p:notes>
-</file>
-
-<file path=ppt/notesSlides/notesSlide4.xml><?xml version="1.0" encoding="utf-8"?>
-<p:notes xmlns:a="http://schemas.openxmlformats.org/drawingml/2006/main" xmlns:r="http://schemas.openxmlformats.org/officeDocument/2006/relationships" xmlns:mc="http://schemas.openxmlformats.org/markup-compatibility/2006" xmlns:mv="urn:schemas-microsoft-com:mac:vml" xmlns:p="http://schemas.openxmlformats.org/presentationml/2006/main" xmlns:c="http://schemas.openxmlformats.org/drawingml/2006/chart" xmlns:dgm="http://schemas.openxmlformats.org/drawingml/2006/diagram" xmlns:o="urn:schemas-microsoft-com:office:office" xmlns:v="urn:schemas-microsoft-com:vml" xmlns:pvml="urn:schemas-microsoft-com:office:powerpoint" xmlns:com="http://schemas.openxmlformats.org/drawingml/2006/compatibility" xmlns:p14="http://schemas.microsoft.com/office/powerpoint/2010/main" xmlns:p15="http://schemas.microsoft.com/office/powerpoint/2012/main" showMasterPhAnim="0" showMasterSp="0">
-  <p:cSld>
-    <p:spTree>
-      <p:nvGrpSpPr>
-        <p:cNvPr id="97" name="Shape 97"/>
-        <p:cNvGrpSpPr/>
-        <p:nvPr/>
-      </p:nvGrpSpPr>
-      <p:grpSpPr>
-        <a:xfrm>
-          <a:off x="0" y="0"/>
-          <a:ext cx="0" cy="0"/>
-          <a:chOff x="0" y="0"/>
-          <a:chExt cx="0" cy="0"/>
-        </a:xfrm>
-      </p:grpSpPr>
       <p:sp>
         <p:nvSpPr>
-          <p:cNvPr id="98" name="Google Shape;98;p4:notes"/>
+          <p:cNvPr id="94" name="Google Shape;94;g60c98efe67_0_5:notes"/>
           <p:cNvSpPr txBox="1"/>
           <p:nvPr>
             <p:ph idx="1" type="body"/>
@@ -1030,9 +966,34 @@
           </a:p>
         </p:txBody>
       </p:sp>
+    </p:spTree>
+  </p:cSld>
+  <p:clrMapOvr>
+    <a:masterClrMapping/>
+  </p:clrMapOvr>
+</p:notes>
+</file>
+
+<file path=ppt/notesSlides/notesSlide4.xml><?xml version="1.0" encoding="utf-8"?>
+<p:notes xmlns:a="http://schemas.openxmlformats.org/drawingml/2006/main" xmlns:r="http://schemas.openxmlformats.org/officeDocument/2006/relationships" xmlns:mc="http://schemas.openxmlformats.org/markup-compatibility/2006" xmlns:mv="urn:schemas-microsoft-com:mac:vml" xmlns:p="http://schemas.openxmlformats.org/presentationml/2006/main" xmlns:c="http://schemas.openxmlformats.org/drawingml/2006/chart" xmlns:dgm="http://schemas.openxmlformats.org/drawingml/2006/diagram" xmlns:o="urn:schemas-microsoft-com:office:office" xmlns:v="urn:schemas-microsoft-com:vml" xmlns:pvml="urn:schemas-microsoft-com:office:powerpoint" xmlns:com="http://schemas.openxmlformats.org/drawingml/2006/compatibility" xmlns:p14="http://schemas.microsoft.com/office/powerpoint/2010/main" xmlns:p15="http://schemas.microsoft.com/office/powerpoint/2012/main" showMasterPhAnim="0" showMasterSp="0">
+  <p:cSld>
+    <p:spTree>
+      <p:nvGrpSpPr>
+        <p:cNvPr id="98" name="Shape 98"/>
+        <p:cNvGrpSpPr/>
+        <p:nvPr/>
+      </p:nvGrpSpPr>
+      <p:grpSpPr>
+        <a:xfrm>
+          <a:off x="0" y="0"/>
+          <a:ext cx="0" cy="0"/>
+          <a:chOff x="0" y="0"/>
+          <a:chExt cx="0" cy="0"/>
+        </a:xfrm>
+      </p:grpSpPr>
       <p:sp>
         <p:nvSpPr>
-          <p:cNvPr id="99" name="Google Shape;99;p4:notes"/>
+          <p:cNvPr id="99" name="Google Shape;99;g60c98efe67_0_10:notes"/>
           <p:cNvSpPr/>
           <p:nvPr>
             <p:ph idx="2" type="sldImg"/>
@@ -1041,7 +1002,7 @@
         <p:spPr>
           <a:xfrm>
             <a:off x="1143225" y="685800"/>
-            <a:ext cx="4572225" cy="3429000"/>
+            <a:ext cx="4572300" cy="3429000"/>
           </a:xfrm>
           <a:custGeom>
             <a:rect b="b" l="l" r="r" t="t"/>
@@ -1065,34 +1026,9 @@
           </a:custGeom>
         </p:spPr>
       </p:sp>
-    </p:spTree>
-  </p:cSld>
-  <p:clrMapOvr>
-    <a:masterClrMapping/>
-  </p:clrMapOvr>
-</p:notes>
-</file>
-
-<file path=ppt/notesSlides/notesSlide5.xml><?xml version="1.0" encoding="utf-8"?>
-<p:notes xmlns:a="http://schemas.openxmlformats.org/drawingml/2006/main" xmlns:r="http://schemas.openxmlformats.org/officeDocument/2006/relationships" xmlns:mc="http://schemas.openxmlformats.org/markup-compatibility/2006" xmlns:mv="urn:schemas-microsoft-com:mac:vml" xmlns:p="http://schemas.openxmlformats.org/presentationml/2006/main" xmlns:c="http://schemas.openxmlformats.org/drawingml/2006/chart" xmlns:dgm="http://schemas.openxmlformats.org/drawingml/2006/diagram" xmlns:o="urn:schemas-microsoft-com:office:office" xmlns:v="urn:schemas-microsoft-com:vml" xmlns:pvml="urn:schemas-microsoft-com:office:powerpoint" xmlns:com="http://schemas.openxmlformats.org/drawingml/2006/compatibility" xmlns:p14="http://schemas.microsoft.com/office/powerpoint/2010/main" xmlns:p15="http://schemas.microsoft.com/office/powerpoint/2012/main" showMasterPhAnim="0" showMasterSp="0">
-  <p:cSld>
-    <p:spTree>
-      <p:nvGrpSpPr>
-        <p:cNvPr id="103" name="Shape 103"/>
-        <p:cNvGrpSpPr/>
-        <p:nvPr/>
-      </p:nvGrpSpPr>
-      <p:grpSpPr>
-        <a:xfrm>
-          <a:off x="0" y="0"/>
-          <a:ext cx="0" cy="0"/>
-          <a:chOff x="0" y="0"/>
-          <a:chExt cx="0" cy="0"/>
-        </a:xfrm>
-      </p:grpSpPr>
       <p:sp>
         <p:nvSpPr>
-          <p:cNvPr id="104" name="Google Shape;104;p5:notes"/>
+          <p:cNvPr id="100" name="Google Shape;100;g60c98efe67_0_10:notes"/>
           <p:cNvSpPr txBox="1"/>
           <p:nvPr>
             <p:ph idx="1" type="body"/>
@@ -1129,9 +1065,34 @@
           </a:p>
         </p:txBody>
       </p:sp>
+    </p:spTree>
+  </p:cSld>
+  <p:clrMapOvr>
+    <a:masterClrMapping/>
+  </p:clrMapOvr>
+</p:notes>
+</file>
+
+<file path=ppt/notesSlides/notesSlide5.xml><?xml version="1.0" encoding="utf-8"?>
+<p:notes xmlns:a="http://schemas.openxmlformats.org/drawingml/2006/main" xmlns:r="http://schemas.openxmlformats.org/officeDocument/2006/relationships" xmlns:mc="http://schemas.openxmlformats.org/markup-compatibility/2006" xmlns:mv="urn:schemas-microsoft-com:mac:vml" xmlns:p="http://schemas.openxmlformats.org/presentationml/2006/main" xmlns:c="http://schemas.openxmlformats.org/drawingml/2006/chart" xmlns:dgm="http://schemas.openxmlformats.org/drawingml/2006/diagram" xmlns:o="urn:schemas-microsoft-com:office:office" xmlns:v="urn:schemas-microsoft-com:vml" xmlns:pvml="urn:schemas-microsoft-com:office:powerpoint" xmlns:com="http://schemas.openxmlformats.org/drawingml/2006/compatibility" xmlns:p14="http://schemas.microsoft.com/office/powerpoint/2010/main" xmlns:p15="http://schemas.microsoft.com/office/powerpoint/2012/main" showMasterPhAnim="0" showMasterSp="0">
+  <p:cSld>
+    <p:spTree>
+      <p:nvGrpSpPr>
+        <p:cNvPr id="104" name="Shape 104"/>
+        <p:cNvGrpSpPr/>
+        <p:nvPr/>
+      </p:nvGrpSpPr>
+      <p:grpSpPr>
+        <a:xfrm>
+          <a:off x="0" y="0"/>
+          <a:ext cx="0" cy="0"/>
+          <a:chOff x="0" y="0"/>
+          <a:chExt cx="0" cy="0"/>
+        </a:xfrm>
+      </p:grpSpPr>
       <p:sp>
         <p:nvSpPr>
-          <p:cNvPr id="105" name="Google Shape;105;p5:notes"/>
+          <p:cNvPr id="105" name="Google Shape;105;g60c98efe67_0_15:notes"/>
           <p:cNvSpPr/>
           <p:nvPr>
             <p:ph idx="2" type="sldImg"/>
@@ -1140,7 +1101,7 @@
         <p:spPr>
           <a:xfrm>
             <a:off x="1143225" y="685800"/>
-            <a:ext cx="4572225" cy="3429000"/>
+            <a:ext cx="4572300" cy="3429000"/>
           </a:xfrm>
           <a:custGeom>
             <a:rect b="b" l="l" r="r" t="t"/>
@@ -1164,34 +1125,9 @@
           </a:custGeom>
         </p:spPr>
       </p:sp>
-    </p:spTree>
-  </p:cSld>
-  <p:clrMapOvr>
-    <a:masterClrMapping/>
-  </p:clrMapOvr>
-</p:notes>
-</file>
-
-<file path=ppt/notesSlides/notesSlide6.xml><?xml version="1.0" encoding="utf-8"?>
-<p:notes xmlns:a="http://schemas.openxmlformats.org/drawingml/2006/main" xmlns:r="http://schemas.openxmlformats.org/officeDocument/2006/relationships" xmlns:mc="http://schemas.openxmlformats.org/markup-compatibility/2006" xmlns:mv="urn:schemas-microsoft-com:mac:vml" xmlns:p="http://schemas.openxmlformats.org/presentationml/2006/main" xmlns:c="http://schemas.openxmlformats.org/drawingml/2006/chart" xmlns:dgm="http://schemas.openxmlformats.org/drawingml/2006/diagram" xmlns:o="urn:schemas-microsoft-com:office:office" xmlns:v="urn:schemas-microsoft-com:vml" xmlns:pvml="urn:schemas-microsoft-com:office:powerpoint" xmlns:com="http://schemas.openxmlformats.org/drawingml/2006/compatibility" xmlns:p14="http://schemas.microsoft.com/office/powerpoint/2010/main" xmlns:p15="http://schemas.microsoft.com/office/powerpoint/2012/main" showMasterPhAnim="0" showMasterSp="0">
-  <p:cSld>
-    <p:spTree>
-      <p:nvGrpSpPr>
-        <p:cNvPr id="109" name="Shape 109"/>
-        <p:cNvGrpSpPr/>
-        <p:nvPr/>
-      </p:nvGrpSpPr>
-      <p:grpSpPr>
-        <a:xfrm>
-          <a:off x="0" y="0"/>
-          <a:ext cx="0" cy="0"/>
-          <a:chOff x="0" y="0"/>
-          <a:chExt cx="0" cy="0"/>
-        </a:xfrm>
-      </p:grpSpPr>
       <p:sp>
         <p:nvSpPr>
-          <p:cNvPr id="110" name="Google Shape;110;p6:notes"/>
+          <p:cNvPr id="106" name="Google Shape;106;g60c98efe67_0_15:notes"/>
           <p:cNvSpPr txBox="1"/>
           <p:nvPr>
             <p:ph idx="1" type="body"/>
@@ -1228,9 +1164,73 @@
           </a:p>
         </p:txBody>
       </p:sp>
+    </p:spTree>
+  </p:cSld>
+  <p:clrMapOvr>
+    <a:masterClrMapping/>
+  </p:clrMapOvr>
+</p:notes>
+</file>
+
+<file path=ppt/notesSlides/notesSlide6.xml><?xml version="1.0" encoding="utf-8"?>
+<p:notes xmlns:a="http://schemas.openxmlformats.org/drawingml/2006/main" xmlns:r="http://schemas.openxmlformats.org/officeDocument/2006/relationships" xmlns:mc="http://schemas.openxmlformats.org/markup-compatibility/2006" xmlns:mv="urn:schemas-microsoft-com:mac:vml" xmlns:p="http://schemas.openxmlformats.org/presentationml/2006/main" xmlns:c="http://schemas.openxmlformats.org/drawingml/2006/chart" xmlns:dgm="http://schemas.openxmlformats.org/drawingml/2006/diagram" xmlns:o="urn:schemas-microsoft-com:office:office" xmlns:v="urn:schemas-microsoft-com:vml" xmlns:pvml="urn:schemas-microsoft-com:office:powerpoint" xmlns:com="http://schemas.openxmlformats.org/drawingml/2006/compatibility" xmlns:p14="http://schemas.microsoft.com/office/powerpoint/2010/main" xmlns:p15="http://schemas.microsoft.com/office/powerpoint/2012/main" showMasterPhAnim="0" showMasterSp="0">
+  <p:cSld>
+    <p:spTree>
+      <p:nvGrpSpPr>
+        <p:cNvPr id="110" name="Shape 110"/>
+        <p:cNvGrpSpPr/>
+        <p:nvPr/>
+      </p:nvGrpSpPr>
+      <p:grpSpPr>
+        <a:xfrm>
+          <a:off x="0" y="0"/>
+          <a:ext cx="0" cy="0"/>
+          <a:chOff x="0" y="0"/>
+          <a:chExt cx="0" cy="0"/>
+        </a:xfrm>
+      </p:grpSpPr>
       <p:sp>
         <p:nvSpPr>
-          <p:cNvPr id="111" name="Google Shape;111;p6:notes"/>
+          <p:cNvPr id="111" name="Google Shape;111;p8:notes"/>
+          <p:cNvSpPr txBox="1"/>
+          <p:nvPr>
+            <p:ph idx="1" type="body"/>
+          </p:nvPr>
+        </p:nvSpPr>
+        <p:spPr>
+          <a:xfrm>
+            <a:off x="685800" y="4343400"/>
+            <a:ext cx="5486400" cy="4114800"/>
+          </a:xfrm>
+          <a:prstGeom prst="rect">
+            <a:avLst/>
+          </a:prstGeom>
+        </p:spPr>
+        <p:txBody>
+          <a:bodyPr anchorCtr="0" anchor="t" bIns="91425" lIns="91425" spcFirstLastPara="1" rIns="91425" wrap="square" tIns="91425">
+            <a:noAutofit/>
+          </a:bodyPr>
+          <a:lstStyle/>
+          <a:p>
+            <a:pPr indent="0" lvl="0" marL="0" rtl="0" algn="l">
+              <a:spcBef>
+                <a:spcPts val="0"/>
+              </a:spcBef>
+              <a:spcAft>
+                <a:spcPts val="0"/>
+              </a:spcAft>
+              <a:buNone/>
+            </a:pPr>
+            <a:r>
+              <a:t/>
+            </a:r>
+            <a:endParaRPr/>
+          </a:p>
+        </p:txBody>
+      </p:sp>
+      <p:sp>
+        <p:nvSpPr>
+          <p:cNvPr id="112" name="Google Shape;112;p8:notes"/>
           <p:cNvSpPr/>
           <p:nvPr>
             <p:ph idx="2" type="sldImg"/>
@@ -1276,7 +1276,7 @@
   <p:cSld>
     <p:spTree>
       <p:nvGrpSpPr>
-        <p:cNvPr id="115" name="Shape 115"/>
+        <p:cNvPr id="116" name="Shape 116"/>
         <p:cNvGrpSpPr/>
         <p:nvPr/>
       </p:nvGrpSpPr>
@@ -1290,46 +1290,7 @@
       </p:grpSpPr>
       <p:sp>
         <p:nvSpPr>
-          <p:cNvPr id="116" name="Google Shape;116;p7:notes"/>
-          <p:cNvSpPr txBox="1"/>
-          <p:nvPr>
-            <p:ph idx="1" type="body"/>
-          </p:nvPr>
-        </p:nvSpPr>
-        <p:spPr>
-          <a:xfrm>
-            <a:off x="685800" y="4343400"/>
-            <a:ext cx="5486400" cy="4114800"/>
-          </a:xfrm>
-          <a:prstGeom prst="rect">
-            <a:avLst/>
-          </a:prstGeom>
-        </p:spPr>
-        <p:txBody>
-          <a:bodyPr anchorCtr="0" anchor="t" bIns="91425" lIns="91425" spcFirstLastPara="1" rIns="91425" wrap="square" tIns="91425">
-            <a:noAutofit/>
-          </a:bodyPr>
-          <a:lstStyle/>
-          <a:p>
-            <a:pPr indent="0" lvl="0" marL="0" rtl="0" algn="l">
-              <a:spcBef>
-                <a:spcPts val="0"/>
-              </a:spcBef>
-              <a:spcAft>
-                <a:spcPts val="0"/>
-              </a:spcAft>
-              <a:buNone/>
-            </a:pPr>
-            <a:r>
-              <a:t/>
-            </a:r>
-            <a:endParaRPr/>
-          </a:p>
-        </p:txBody>
-      </p:sp>
-      <p:sp>
-        <p:nvSpPr>
-          <p:cNvPr id="117" name="Google Shape;117;p7:notes"/>
+          <p:cNvPr id="117" name="Google Shape;117;g60c98efe67_0_20:notes"/>
           <p:cNvSpPr/>
           <p:nvPr>
             <p:ph idx="2" type="sldImg"/>
@@ -1338,7 +1299,7 @@
         <p:spPr>
           <a:xfrm>
             <a:off x="1143225" y="685800"/>
-            <a:ext cx="4572225" cy="3429000"/>
+            <a:ext cx="4572300" cy="3429000"/>
           </a:xfrm>
           <a:custGeom>
             <a:rect b="b" l="l" r="r" t="t"/>
@@ -1362,34 +1323,9 @@
           </a:custGeom>
         </p:spPr>
       </p:sp>
-    </p:spTree>
-  </p:cSld>
-  <p:clrMapOvr>
-    <a:masterClrMapping/>
-  </p:clrMapOvr>
-</p:notes>
-</file>
-
-<file path=ppt/notesSlides/notesSlide8.xml><?xml version="1.0" encoding="utf-8"?>
-<p:notes xmlns:a="http://schemas.openxmlformats.org/drawingml/2006/main" xmlns:r="http://schemas.openxmlformats.org/officeDocument/2006/relationships" xmlns:mc="http://schemas.openxmlformats.org/markup-compatibility/2006" xmlns:mv="urn:schemas-microsoft-com:mac:vml" xmlns:p="http://schemas.openxmlformats.org/presentationml/2006/main" xmlns:c="http://schemas.openxmlformats.org/drawingml/2006/chart" xmlns:dgm="http://schemas.openxmlformats.org/drawingml/2006/diagram" xmlns:o="urn:schemas-microsoft-com:office:office" xmlns:v="urn:schemas-microsoft-com:vml" xmlns:pvml="urn:schemas-microsoft-com:office:powerpoint" xmlns:com="http://schemas.openxmlformats.org/drawingml/2006/compatibility" xmlns:p14="http://schemas.microsoft.com/office/powerpoint/2010/main" xmlns:p15="http://schemas.microsoft.com/office/powerpoint/2012/main" showMasterPhAnim="0" showMasterSp="0">
-  <p:cSld>
-    <p:spTree>
-      <p:nvGrpSpPr>
-        <p:cNvPr id="120" name="Shape 120"/>
-        <p:cNvGrpSpPr/>
-        <p:nvPr/>
-      </p:nvGrpSpPr>
-      <p:grpSpPr>
-        <a:xfrm>
-          <a:off x="0" y="0"/>
-          <a:ext cx="0" cy="0"/>
-          <a:chOff x="0" y="0"/>
-          <a:chExt cx="0" cy="0"/>
-        </a:xfrm>
-      </p:grpSpPr>
       <p:sp>
         <p:nvSpPr>
-          <p:cNvPr id="121" name="Google Shape;121;p8:notes"/>
+          <p:cNvPr id="118" name="Google Shape;118;g60c98efe67_0_20:notes"/>
           <p:cNvSpPr txBox="1"/>
           <p:nvPr>
             <p:ph idx="1" type="body"/>
@@ -1426,9 +1362,73 @@
           </a:p>
         </p:txBody>
       </p:sp>
+    </p:spTree>
+  </p:cSld>
+  <p:clrMapOvr>
+    <a:masterClrMapping/>
+  </p:clrMapOvr>
+</p:notes>
+</file>
+
+<file path=ppt/notesSlides/notesSlide8.xml><?xml version="1.0" encoding="utf-8"?>
+<p:notes xmlns:a="http://schemas.openxmlformats.org/drawingml/2006/main" xmlns:r="http://schemas.openxmlformats.org/officeDocument/2006/relationships" xmlns:mc="http://schemas.openxmlformats.org/markup-compatibility/2006" xmlns:mv="urn:schemas-microsoft-com:mac:vml" xmlns:p="http://schemas.openxmlformats.org/presentationml/2006/main" xmlns:c="http://schemas.openxmlformats.org/drawingml/2006/chart" xmlns:dgm="http://schemas.openxmlformats.org/drawingml/2006/diagram" xmlns:o="urn:schemas-microsoft-com:office:office" xmlns:v="urn:schemas-microsoft-com:vml" xmlns:pvml="urn:schemas-microsoft-com:office:powerpoint" xmlns:com="http://schemas.openxmlformats.org/drawingml/2006/compatibility" xmlns:p14="http://schemas.microsoft.com/office/powerpoint/2010/main" xmlns:p15="http://schemas.microsoft.com/office/powerpoint/2012/main" showMasterPhAnim="0" showMasterSp="0">
+  <p:cSld>
+    <p:spTree>
+      <p:nvGrpSpPr>
+        <p:cNvPr id="122" name="Shape 122"/>
+        <p:cNvGrpSpPr/>
+        <p:nvPr/>
+      </p:nvGrpSpPr>
+      <p:grpSpPr>
+        <a:xfrm>
+          <a:off x="0" y="0"/>
+          <a:ext cx="0" cy="0"/>
+          <a:chOff x="0" y="0"/>
+          <a:chExt cx="0" cy="0"/>
+        </a:xfrm>
+      </p:grpSpPr>
       <p:sp>
         <p:nvSpPr>
-          <p:cNvPr id="122" name="Google Shape;122;p8:notes"/>
+          <p:cNvPr id="123" name="Google Shape;123;p5:notes"/>
+          <p:cNvSpPr txBox="1"/>
+          <p:nvPr>
+            <p:ph idx="1" type="body"/>
+          </p:nvPr>
+        </p:nvSpPr>
+        <p:spPr>
+          <a:xfrm>
+            <a:off x="685800" y="4343400"/>
+            <a:ext cx="5486400" cy="4114800"/>
+          </a:xfrm>
+          <a:prstGeom prst="rect">
+            <a:avLst/>
+          </a:prstGeom>
+        </p:spPr>
+        <p:txBody>
+          <a:bodyPr anchorCtr="0" anchor="t" bIns="91425" lIns="91425" spcFirstLastPara="1" rIns="91425" wrap="square" tIns="91425">
+            <a:noAutofit/>
+          </a:bodyPr>
+          <a:lstStyle/>
+          <a:p>
+            <a:pPr indent="0" lvl="0" marL="0" rtl="0" algn="l">
+              <a:spcBef>
+                <a:spcPts val="0"/>
+              </a:spcBef>
+              <a:spcAft>
+                <a:spcPts val="0"/>
+              </a:spcAft>
+              <a:buNone/>
+            </a:pPr>
+            <a:r>
+              <a:t/>
+            </a:r>
+            <a:endParaRPr/>
+          </a:p>
+        </p:txBody>
+      </p:sp>
+      <p:sp>
+        <p:nvSpPr>
+          <p:cNvPr id="124" name="Google Shape;124;p5:notes"/>
           <p:cNvSpPr/>
           <p:nvPr>
             <p:ph idx="2" type="sldImg"/>
@@ -11772,7 +11772,7 @@
             </a:pPr>
             <a:r>
               <a:rPr lang="en-US"/>
-              <a:t>Effective Pairing</a:t>
+              <a:t>Pair Programming</a:t>
             </a:r>
             <a:endParaRPr/>
           </a:p>
@@ -12348,23 +12348,1426 @@
           <a:chExt cx="0" cy="0"/>
         </a:xfrm>
       </p:grpSpPr>
-      <p:pic>
-        <p:nvPicPr>
+      <p:sp>
+        <p:nvSpPr>
           <p:cNvPr id="96" name="Google Shape;96;p15"/>
-          <p:cNvPicPr preferRelativeResize="0"/>
-          <p:nvPr/>
-        </p:nvPicPr>
-        <p:blipFill rotWithShape="1">
-          <a:blip r:embed="rId3">
-            <a:alphaModFix/>
-          </a:blip>
-          <a:srcRect b="0" l="0" r="0" t="0"/>
-          <a:stretch/>
-        </p:blipFill>
+          <p:cNvSpPr txBox="1"/>
+          <p:nvPr>
+            <p:ph type="title"/>
+          </p:nvPr>
+        </p:nvSpPr>
         <p:spPr>
           <a:xfrm>
-            <a:off x="609600" y="0"/>
-            <a:ext cx="10972800" cy="6858000"/>
+            <a:off x="838200" y="365125"/>
+            <a:ext cx="10515600" cy="1325700"/>
+          </a:xfrm>
+          <a:prstGeom prst="rect">
+            <a:avLst/>
+          </a:prstGeom>
+        </p:spPr>
+        <p:txBody>
+          <a:bodyPr anchorCtr="0" anchor="ctr" bIns="45700" lIns="91425" spcFirstLastPara="1" rIns="91425" wrap="square" tIns="45700">
+            <a:noAutofit/>
+          </a:bodyPr>
+          <a:lstStyle/>
+          <a:p>
+            <a:pPr indent="0" lvl="0" marL="0" rtl="0" algn="l">
+              <a:spcBef>
+                <a:spcPts val="0"/>
+              </a:spcBef>
+              <a:spcAft>
+                <a:spcPts val="0"/>
+              </a:spcAft>
+              <a:buNone/>
+            </a:pPr>
+            <a:r>
+              <a:rPr lang="en-US"/>
+              <a:t>The roles during pair programming</a:t>
+            </a:r>
+            <a:endParaRPr/>
+          </a:p>
+        </p:txBody>
+      </p:sp>
+      <p:sp>
+        <p:nvSpPr>
+          <p:cNvPr id="97" name="Google Shape;97;p15"/>
+          <p:cNvSpPr txBox="1"/>
+          <p:nvPr>
+            <p:ph idx="1" type="body"/>
+          </p:nvPr>
+        </p:nvSpPr>
+        <p:spPr>
+          <a:xfrm>
+            <a:off x="464625" y="1825625"/>
+            <a:ext cx="11169900" cy="4351200"/>
+          </a:xfrm>
+          <a:prstGeom prst="rect">
+            <a:avLst/>
+          </a:prstGeom>
+        </p:spPr>
+        <p:txBody>
+          <a:bodyPr anchorCtr="0" anchor="t" bIns="45700" lIns="91425" spcFirstLastPara="1" rIns="91425" wrap="square" tIns="45700">
+            <a:noAutofit/>
+          </a:bodyPr>
+          <a:lstStyle/>
+          <a:p>
+            <a:pPr indent="-431800" lvl="0" marL="457200" rtl="0" algn="l">
+              <a:lnSpc>
+                <a:spcPct val="100000"/>
+              </a:lnSpc>
+              <a:spcBef>
+                <a:spcPts val="1000"/>
+              </a:spcBef>
+              <a:spcAft>
+                <a:spcPts val="0"/>
+              </a:spcAft>
+              <a:buSzPts val="3200"/>
+              <a:buChar char="•"/>
+            </a:pPr>
+            <a:r>
+              <a:rPr lang="en-US" sz="3200"/>
+              <a:t>Sprints/labs steps: understand the problem, find the right tools (functions of libraries), create a solution</a:t>
+            </a:r>
+            <a:endParaRPr sz="3200"/>
+          </a:p>
+          <a:p>
+            <a:pPr indent="-431800" lvl="0" marL="457200" rtl="0" algn="l">
+              <a:lnSpc>
+                <a:spcPct val="100000"/>
+              </a:lnSpc>
+              <a:spcBef>
+                <a:spcPts val="0"/>
+              </a:spcBef>
+              <a:spcAft>
+                <a:spcPts val="0"/>
+              </a:spcAft>
+              <a:buSzPts val="3200"/>
+              <a:buChar char="•"/>
+            </a:pPr>
+            <a:r>
+              <a:rPr lang="en-US" sz="3200"/>
+              <a:t>All discuss the problem, google for the best tools, run experiments on their machines</a:t>
+            </a:r>
+            <a:endParaRPr sz="3200"/>
+          </a:p>
+          <a:p>
+            <a:pPr indent="-431800" lvl="0" marL="457200" rtl="0" algn="l">
+              <a:lnSpc>
+                <a:spcPct val="100000"/>
+              </a:lnSpc>
+              <a:spcBef>
+                <a:spcPts val="0"/>
+              </a:spcBef>
+              <a:spcAft>
+                <a:spcPts val="0"/>
+              </a:spcAft>
+              <a:buSzPts val="3200"/>
+              <a:buChar char="•"/>
+            </a:pPr>
+            <a:r>
+              <a:rPr lang="en-US" sz="3200"/>
+              <a:t>The </a:t>
+            </a:r>
+            <a:r>
+              <a:rPr b="1" lang="en-US" sz="3200"/>
+              <a:t>navigator</a:t>
+            </a:r>
+            <a:r>
+              <a:rPr lang="en-US" sz="3200"/>
+              <a:t> sets the strategy and tries to make it clear enough for the driver to agree with it and to type it</a:t>
+            </a:r>
+            <a:endParaRPr sz="3200"/>
+          </a:p>
+          <a:p>
+            <a:pPr indent="-431800" lvl="0" marL="457200" rtl="0" algn="l">
+              <a:lnSpc>
+                <a:spcPct val="100000"/>
+              </a:lnSpc>
+              <a:spcBef>
+                <a:spcPts val="0"/>
+              </a:spcBef>
+              <a:spcAft>
+                <a:spcPts val="0"/>
+              </a:spcAft>
+              <a:buSzPts val="3200"/>
+              <a:buChar char="•"/>
+            </a:pPr>
+            <a:r>
+              <a:rPr lang="en-US" sz="3200"/>
+              <a:t>The </a:t>
+            </a:r>
+            <a:r>
+              <a:rPr b="1" lang="en-US" sz="3200"/>
+              <a:t>driver</a:t>
+            </a:r>
+            <a:r>
+              <a:rPr lang="en-US" sz="3200"/>
+              <a:t> does the typing of the pair’s solution</a:t>
+            </a:r>
+            <a:endParaRPr sz="3200"/>
+          </a:p>
+          <a:p>
+            <a:pPr indent="-431800" lvl="0" marL="457200" rtl="0" algn="l">
+              <a:lnSpc>
+                <a:spcPct val="100000"/>
+              </a:lnSpc>
+              <a:spcBef>
+                <a:spcPts val="0"/>
+              </a:spcBef>
+              <a:spcAft>
+                <a:spcPts val="0"/>
+              </a:spcAft>
+              <a:buSzPts val="3200"/>
+              <a:buChar char="•"/>
+            </a:pPr>
+            <a:r>
+              <a:rPr lang="en-US" sz="3200"/>
+              <a:t>There is more than one solution - don’t get too attached!</a:t>
+            </a:r>
+            <a:endParaRPr sz="3200"/>
+          </a:p>
+        </p:txBody>
+      </p:sp>
+    </p:spTree>
+  </p:cSld>
+  <p:clrMapOvr>
+    <a:masterClrMapping/>
+  </p:clrMapOvr>
+  <p:timing>
+    <p:tnLst>
+      <p:par>
+        <p:cTn dur="indefinite" nodeType="tmRoot" restart="never">
+          <p:childTnLst>
+            <p:seq concurrent="1" nextAc="seek">
+              <p:cTn dur="indefinite" id="2" nodeType="mainSeq">
+                <p:childTnLst>
+                  <p:par>
+                    <p:cTn fill="hold">
+                      <p:stCondLst>
+                        <p:cond delay="indefinite"/>
+                      </p:stCondLst>
+                      <p:childTnLst>
+                        <p:par>
+                          <p:cTn fill="hold">
+                            <p:stCondLst>
+                              <p:cond delay="0"/>
+                            </p:stCondLst>
+                            <p:childTnLst>
+                              <p:par>
+                                <p:cTn fill="hold" nodeType="clickEffect" presetClass="entr" presetID="1" presetSubtype="0">
+                                  <p:stCondLst>
+                                    <p:cond delay="0"/>
+                                  </p:stCondLst>
+                                  <p:childTnLst>
+                                    <p:set>
+                                      <p:cBhvr>
+                                        <p:cTn dur="1" fill="hold">
+                                          <p:stCondLst>
+                                            <p:cond delay="0"/>
+                                          </p:stCondLst>
+                                        </p:cTn>
+                                        <p:tgtEl>
+                                          <p:spTgt spid="97">
+                                            <p:txEl>
+                                              <p:pRg end="0" st="0"/>
+                                            </p:txEl>
+                                          </p:spTgt>
+                                        </p:tgtEl>
+                                        <p:attrNameLst>
+                                          <p:attrName>style.visibility</p:attrName>
+                                        </p:attrNameLst>
+                                      </p:cBhvr>
+                                      <p:to>
+                                        <p:strVal val="visible"/>
+                                      </p:to>
+                                    </p:set>
+                                  </p:childTnLst>
+                                </p:cTn>
+                              </p:par>
+                            </p:childTnLst>
+                          </p:cTn>
+                        </p:par>
+                      </p:childTnLst>
+                    </p:cTn>
+                  </p:par>
+                  <p:par>
+                    <p:cTn fill="hold">
+                      <p:stCondLst>
+                        <p:cond delay="indefinite"/>
+                      </p:stCondLst>
+                      <p:childTnLst>
+                        <p:par>
+                          <p:cTn fill="hold">
+                            <p:stCondLst>
+                              <p:cond delay="0"/>
+                            </p:stCondLst>
+                            <p:childTnLst>
+                              <p:par>
+                                <p:cTn fill="hold" nodeType="clickEffect" presetClass="entr" presetID="1" presetSubtype="0">
+                                  <p:stCondLst>
+                                    <p:cond delay="0"/>
+                                  </p:stCondLst>
+                                  <p:childTnLst>
+                                    <p:set>
+                                      <p:cBhvr>
+                                        <p:cTn dur="1" fill="hold">
+                                          <p:stCondLst>
+                                            <p:cond delay="0"/>
+                                          </p:stCondLst>
+                                        </p:cTn>
+                                        <p:tgtEl>
+                                          <p:spTgt spid="97">
+                                            <p:txEl>
+                                              <p:pRg end="1" st="1"/>
+                                            </p:txEl>
+                                          </p:spTgt>
+                                        </p:tgtEl>
+                                        <p:attrNameLst>
+                                          <p:attrName>style.visibility</p:attrName>
+                                        </p:attrNameLst>
+                                      </p:cBhvr>
+                                      <p:to>
+                                        <p:strVal val="visible"/>
+                                      </p:to>
+                                    </p:set>
+                                  </p:childTnLst>
+                                </p:cTn>
+                              </p:par>
+                            </p:childTnLst>
+                          </p:cTn>
+                        </p:par>
+                      </p:childTnLst>
+                    </p:cTn>
+                  </p:par>
+                  <p:par>
+                    <p:cTn fill="hold">
+                      <p:stCondLst>
+                        <p:cond delay="indefinite"/>
+                      </p:stCondLst>
+                      <p:childTnLst>
+                        <p:par>
+                          <p:cTn fill="hold">
+                            <p:stCondLst>
+                              <p:cond delay="0"/>
+                            </p:stCondLst>
+                            <p:childTnLst>
+                              <p:par>
+                                <p:cTn fill="hold" nodeType="clickEffect" presetClass="entr" presetID="1" presetSubtype="0">
+                                  <p:stCondLst>
+                                    <p:cond delay="0"/>
+                                  </p:stCondLst>
+                                  <p:childTnLst>
+                                    <p:set>
+                                      <p:cBhvr>
+                                        <p:cTn dur="1" fill="hold">
+                                          <p:stCondLst>
+                                            <p:cond delay="0"/>
+                                          </p:stCondLst>
+                                        </p:cTn>
+                                        <p:tgtEl>
+                                          <p:spTgt spid="97">
+                                            <p:txEl>
+                                              <p:pRg end="2" st="2"/>
+                                            </p:txEl>
+                                          </p:spTgt>
+                                        </p:tgtEl>
+                                        <p:attrNameLst>
+                                          <p:attrName>style.visibility</p:attrName>
+                                        </p:attrNameLst>
+                                      </p:cBhvr>
+                                      <p:to>
+                                        <p:strVal val="visible"/>
+                                      </p:to>
+                                    </p:set>
+                                  </p:childTnLst>
+                                </p:cTn>
+                              </p:par>
+                            </p:childTnLst>
+                          </p:cTn>
+                        </p:par>
+                      </p:childTnLst>
+                    </p:cTn>
+                  </p:par>
+                  <p:par>
+                    <p:cTn fill="hold">
+                      <p:stCondLst>
+                        <p:cond delay="indefinite"/>
+                      </p:stCondLst>
+                      <p:childTnLst>
+                        <p:par>
+                          <p:cTn fill="hold">
+                            <p:stCondLst>
+                              <p:cond delay="0"/>
+                            </p:stCondLst>
+                            <p:childTnLst>
+                              <p:par>
+                                <p:cTn fill="hold" nodeType="clickEffect" presetClass="entr" presetID="1" presetSubtype="0">
+                                  <p:stCondLst>
+                                    <p:cond delay="0"/>
+                                  </p:stCondLst>
+                                  <p:childTnLst>
+                                    <p:set>
+                                      <p:cBhvr>
+                                        <p:cTn dur="1" fill="hold">
+                                          <p:stCondLst>
+                                            <p:cond delay="0"/>
+                                          </p:stCondLst>
+                                        </p:cTn>
+                                        <p:tgtEl>
+                                          <p:spTgt spid="97">
+                                            <p:txEl>
+                                              <p:pRg end="3" st="3"/>
+                                            </p:txEl>
+                                          </p:spTgt>
+                                        </p:tgtEl>
+                                        <p:attrNameLst>
+                                          <p:attrName>style.visibility</p:attrName>
+                                        </p:attrNameLst>
+                                      </p:cBhvr>
+                                      <p:to>
+                                        <p:strVal val="visible"/>
+                                      </p:to>
+                                    </p:set>
+                                  </p:childTnLst>
+                                </p:cTn>
+                              </p:par>
+                            </p:childTnLst>
+                          </p:cTn>
+                        </p:par>
+                      </p:childTnLst>
+                    </p:cTn>
+                  </p:par>
+                  <p:par>
+                    <p:cTn fill="hold">
+                      <p:stCondLst>
+                        <p:cond delay="indefinite"/>
+                      </p:stCondLst>
+                      <p:childTnLst>
+                        <p:par>
+                          <p:cTn fill="hold">
+                            <p:stCondLst>
+                              <p:cond delay="0"/>
+                            </p:stCondLst>
+                            <p:childTnLst>
+                              <p:par>
+                                <p:cTn fill="hold" nodeType="clickEffect" presetClass="entr" presetID="1" presetSubtype="0">
+                                  <p:stCondLst>
+                                    <p:cond delay="0"/>
+                                  </p:stCondLst>
+                                  <p:childTnLst>
+                                    <p:set>
+                                      <p:cBhvr>
+                                        <p:cTn dur="1" fill="hold">
+                                          <p:stCondLst>
+                                            <p:cond delay="0"/>
+                                          </p:stCondLst>
+                                        </p:cTn>
+                                        <p:tgtEl>
+                                          <p:spTgt spid="97">
+                                            <p:txEl>
+                                              <p:pRg end="4" st="4"/>
+                                            </p:txEl>
+                                          </p:spTgt>
+                                        </p:tgtEl>
+                                        <p:attrNameLst>
+                                          <p:attrName>style.visibility</p:attrName>
+                                        </p:attrNameLst>
+                                      </p:cBhvr>
+                                      <p:to>
+                                        <p:strVal val="visible"/>
+                                      </p:to>
+                                    </p:set>
+                                  </p:childTnLst>
+                                </p:cTn>
+                              </p:par>
+                            </p:childTnLst>
+                          </p:cTn>
+                        </p:par>
+                      </p:childTnLst>
+                    </p:cTn>
+                  </p:par>
+                </p:childTnLst>
+              </p:cTn>
+              <p:prevCondLst>
+                <p:cond evt="onPrev">
+                  <p:tgtEl>
+                    <p:sldTgt/>
+                  </p:tgtEl>
+                </p:cond>
+              </p:prevCondLst>
+              <p:nextCondLst>
+                <p:cond evt="onNext">
+                  <p:tgtEl>
+                    <p:sldTgt/>
+                  </p:tgtEl>
+                </p:cond>
+              </p:nextCondLst>
+            </p:seq>
+          </p:childTnLst>
+        </p:cTn>
+      </p:par>
+    </p:tnLst>
+  </p:timing>
+</p:sld>
+</file>
+
+<file path=ppt/slides/slide4.xml><?xml version="1.0" encoding="utf-8"?>
+<p:sld xmlns:a="http://schemas.openxmlformats.org/drawingml/2006/main" xmlns:r="http://schemas.openxmlformats.org/officeDocument/2006/relationships" xmlns:mc="http://schemas.openxmlformats.org/markup-compatibility/2006" xmlns:mv="urn:schemas-microsoft-com:mac:vml" xmlns:p="http://schemas.openxmlformats.org/presentationml/2006/main" xmlns:c="http://schemas.openxmlformats.org/drawingml/2006/chart" xmlns:dgm="http://schemas.openxmlformats.org/drawingml/2006/diagram" xmlns:o="urn:schemas-microsoft-com:office:office" xmlns:v="urn:schemas-microsoft-com:vml" xmlns:pvml="urn:schemas-microsoft-com:office:powerpoint" xmlns:com="http://schemas.openxmlformats.org/drawingml/2006/compatibility" xmlns:p14="http://schemas.microsoft.com/office/powerpoint/2010/main" xmlns:p15="http://schemas.microsoft.com/office/powerpoint/2012/main">
+  <p:cSld>
+    <p:spTree>
+      <p:nvGrpSpPr>
+        <p:cNvPr id="101" name="Shape 101"/>
+        <p:cNvGrpSpPr/>
+        <p:nvPr/>
+      </p:nvGrpSpPr>
+      <p:grpSpPr>
+        <a:xfrm>
+          <a:off x="0" y="0"/>
+          <a:ext cx="0" cy="0"/>
+          <a:chOff x="0" y="0"/>
+          <a:chExt cx="0" cy="0"/>
+        </a:xfrm>
+      </p:grpSpPr>
+      <p:sp>
+        <p:nvSpPr>
+          <p:cNvPr id="102" name="Google Shape;102;p16"/>
+          <p:cNvSpPr txBox="1"/>
+          <p:nvPr>
+            <p:ph type="title"/>
+          </p:nvPr>
+        </p:nvSpPr>
+        <p:spPr>
+          <a:xfrm>
+            <a:off x="838200" y="365125"/>
+            <a:ext cx="10515600" cy="1325700"/>
+          </a:xfrm>
+          <a:prstGeom prst="rect">
+            <a:avLst/>
+          </a:prstGeom>
+        </p:spPr>
+        <p:txBody>
+          <a:bodyPr anchorCtr="0" anchor="ctr" bIns="45700" lIns="91425" spcFirstLastPara="1" rIns="91425" wrap="square" tIns="45700">
+            <a:noAutofit/>
+          </a:bodyPr>
+          <a:lstStyle/>
+          <a:p>
+            <a:pPr indent="0" lvl="0" marL="0" rtl="0" algn="l">
+              <a:spcBef>
+                <a:spcPts val="0"/>
+              </a:spcBef>
+              <a:spcAft>
+                <a:spcPts val="0"/>
+              </a:spcAft>
+              <a:buNone/>
+            </a:pPr>
+            <a:r>
+              <a:rPr lang="en-US"/>
+              <a:t>As the junior pair</a:t>
+            </a:r>
+            <a:endParaRPr/>
+          </a:p>
+        </p:txBody>
+      </p:sp>
+      <p:sp>
+        <p:nvSpPr>
+          <p:cNvPr id="103" name="Google Shape;103;p16"/>
+          <p:cNvSpPr txBox="1"/>
+          <p:nvPr>
+            <p:ph idx="1" type="body"/>
+          </p:nvPr>
+        </p:nvSpPr>
+        <p:spPr>
+          <a:xfrm>
+            <a:off x="464625" y="1825625"/>
+            <a:ext cx="11169900" cy="4351200"/>
+          </a:xfrm>
+          <a:prstGeom prst="rect">
+            <a:avLst/>
+          </a:prstGeom>
+        </p:spPr>
+        <p:txBody>
+          <a:bodyPr anchorCtr="0" anchor="t" bIns="45700" lIns="91425" spcFirstLastPara="1" rIns="91425" wrap="square" tIns="45700">
+            <a:noAutofit/>
+          </a:bodyPr>
+          <a:lstStyle/>
+          <a:p>
+            <a:pPr indent="-431800" lvl="0" marL="457200" rtl="0" algn="l">
+              <a:lnSpc>
+                <a:spcPct val="100000"/>
+              </a:lnSpc>
+              <a:spcBef>
+                <a:spcPts val="1000"/>
+              </a:spcBef>
+              <a:spcAft>
+                <a:spcPts val="0"/>
+              </a:spcAft>
+              <a:buSzPts val="3200"/>
+              <a:buChar char="•"/>
+            </a:pPr>
+            <a:r>
+              <a:rPr lang="en-US" sz="3200"/>
+              <a:t>A ‘junior pair’ is one whose understanding of the current task is lower than their pair’s</a:t>
+            </a:r>
+            <a:endParaRPr sz="3200"/>
+          </a:p>
+          <a:p>
+            <a:pPr indent="-431800" lvl="0" marL="457200" rtl="0" algn="l">
+              <a:lnSpc>
+                <a:spcPct val="100000"/>
+              </a:lnSpc>
+              <a:spcBef>
+                <a:spcPts val="0"/>
+              </a:spcBef>
+              <a:spcAft>
+                <a:spcPts val="0"/>
+              </a:spcAft>
+              <a:buSzPts val="3200"/>
+              <a:buChar char="•"/>
+            </a:pPr>
+            <a:r>
+              <a:rPr lang="en-US" sz="3200"/>
+              <a:t>Make it clear when you don’t understand something</a:t>
+            </a:r>
+            <a:endParaRPr sz="3200"/>
+          </a:p>
+          <a:p>
+            <a:pPr indent="-431800" lvl="0" marL="457200" rtl="0" algn="l">
+              <a:lnSpc>
+                <a:spcPct val="100000"/>
+              </a:lnSpc>
+              <a:spcBef>
+                <a:spcPts val="0"/>
+              </a:spcBef>
+              <a:spcAft>
+                <a:spcPts val="0"/>
+              </a:spcAft>
+              <a:buSzPts val="3200"/>
+              <a:buChar char="•"/>
+            </a:pPr>
+            <a:r>
+              <a:rPr lang="en-US" sz="3200"/>
+              <a:t>Don’t confuse typing with learning</a:t>
+            </a:r>
+            <a:endParaRPr sz="3200"/>
+          </a:p>
+          <a:p>
+            <a:pPr indent="-431800" lvl="0" marL="457200" rtl="0" algn="l">
+              <a:lnSpc>
+                <a:spcPct val="100000"/>
+              </a:lnSpc>
+              <a:spcBef>
+                <a:spcPts val="0"/>
+              </a:spcBef>
+              <a:spcAft>
+                <a:spcPts val="0"/>
+              </a:spcAft>
+              <a:buSzPts val="3200"/>
+              <a:buChar char="•"/>
+            </a:pPr>
+            <a:r>
+              <a:rPr lang="en-US" sz="3200"/>
+              <a:t>I’ve got an idea! Are you willing to drive for a while?</a:t>
+            </a:r>
+            <a:endParaRPr sz="3200"/>
+          </a:p>
+        </p:txBody>
+      </p:sp>
+    </p:spTree>
+  </p:cSld>
+  <p:clrMapOvr>
+    <a:masterClrMapping/>
+  </p:clrMapOvr>
+  <p:timing>
+    <p:tnLst>
+      <p:par>
+        <p:cTn dur="indefinite" nodeType="tmRoot" restart="never">
+          <p:childTnLst>
+            <p:seq concurrent="1" nextAc="seek">
+              <p:cTn dur="indefinite" id="2" nodeType="mainSeq">
+                <p:childTnLst>
+                  <p:par>
+                    <p:cTn fill="hold">
+                      <p:stCondLst>
+                        <p:cond delay="indefinite"/>
+                      </p:stCondLst>
+                      <p:childTnLst>
+                        <p:par>
+                          <p:cTn fill="hold">
+                            <p:stCondLst>
+                              <p:cond delay="0"/>
+                            </p:stCondLst>
+                            <p:childTnLst>
+                              <p:par>
+                                <p:cTn fill="hold" nodeType="clickEffect" presetClass="entr" presetID="1" presetSubtype="0">
+                                  <p:stCondLst>
+                                    <p:cond delay="0"/>
+                                  </p:stCondLst>
+                                  <p:childTnLst>
+                                    <p:set>
+                                      <p:cBhvr>
+                                        <p:cTn dur="1" fill="hold">
+                                          <p:stCondLst>
+                                            <p:cond delay="0"/>
+                                          </p:stCondLst>
+                                        </p:cTn>
+                                        <p:tgtEl>
+                                          <p:spTgt spid="103">
+                                            <p:txEl>
+                                              <p:pRg end="0" st="0"/>
+                                            </p:txEl>
+                                          </p:spTgt>
+                                        </p:tgtEl>
+                                        <p:attrNameLst>
+                                          <p:attrName>style.visibility</p:attrName>
+                                        </p:attrNameLst>
+                                      </p:cBhvr>
+                                      <p:to>
+                                        <p:strVal val="visible"/>
+                                      </p:to>
+                                    </p:set>
+                                  </p:childTnLst>
+                                </p:cTn>
+                              </p:par>
+                            </p:childTnLst>
+                          </p:cTn>
+                        </p:par>
+                      </p:childTnLst>
+                    </p:cTn>
+                  </p:par>
+                  <p:par>
+                    <p:cTn fill="hold">
+                      <p:stCondLst>
+                        <p:cond delay="indefinite"/>
+                      </p:stCondLst>
+                      <p:childTnLst>
+                        <p:par>
+                          <p:cTn fill="hold">
+                            <p:stCondLst>
+                              <p:cond delay="0"/>
+                            </p:stCondLst>
+                            <p:childTnLst>
+                              <p:par>
+                                <p:cTn fill="hold" nodeType="clickEffect" presetClass="entr" presetID="1" presetSubtype="0">
+                                  <p:stCondLst>
+                                    <p:cond delay="0"/>
+                                  </p:stCondLst>
+                                  <p:childTnLst>
+                                    <p:set>
+                                      <p:cBhvr>
+                                        <p:cTn dur="1" fill="hold">
+                                          <p:stCondLst>
+                                            <p:cond delay="0"/>
+                                          </p:stCondLst>
+                                        </p:cTn>
+                                        <p:tgtEl>
+                                          <p:spTgt spid="103">
+                                            <p:txEl>
+                                              <p:pRg end="1" st="1"/>
+                                            </p:txEl>
+                                          </p:spTgt>
+                                        </p:tgtEl>
+                                        <p:attrNameLst>
+                                          <p:attrName>style.visibility</p:attrName>
+                                        </p:attrNameLst>
+                                      </p:cBhvr>
+                                      <p:to>
+                                        <p:strVal val="visible"/>
+                                      </p:to>
+                                    </p:set>
+                                  </p:childTnLst>
+                                </p:cTn>
+                              </p:par>
+                            </p:childTnLst>
+                          </p:cTn>
+                        </p:par>
+                      </p:childTnLst>
+                    </p:cTn>
+                  </p:par>
+                  <p:par>
+                    <p:cTn fill="hold">
+                      <p:stCondLst>
+                        <p:cond delay="indefinite"/>
+                      </p:stCondLst>
+                      <p:childTnLst>
+                        <p:par>
+                          <p:cTn fill="hold">
+                            <p:stCondLst>
+                              <p:cond delay="0"/>
+                            </p:stCondLst>
+                            <p:childTnLst>
+                              <p:par>
+                                <p:cTn fill="hold" nodeType="clickEffect" presetClass="entr" presetID="1" presetSubtype="0">
+                                  <p:stCondLst>
+                                    <p:cond delay="0"/>
+                                  </p:stCondLst>
+                                  <p:childTnLst>
+                                    <p:set>
+                                      <p:cBhvr>
+                                        <p:cTn dur="1" fill="hold">
+                                          <p:stCondLst>
+                                            <p:cond delay="0"/>
+                                          </p:stCondLst>
+                                        </p:cTn>
+                                        <p:tgtEl>
+                                          <p:spTgt spid="103">
+                                            <p:txEl>
+                                              <p:pRg end="2" st="2"/>
+                                            </p:txEl>
+                                          </p:spTgt>
+                                        </p:tgtEl>
+                                        <p:attrNameLst>
+                                          <p:attrName>style.visibility</p:attrName>
+                                        </p:attrNameLst>
+                                      </p:cBhvr>
+                                      <p:to>
+                                        <p:strVal val="visible"/>
+                                      </p:to>
+                                    </p:set>
+                                  </p:childTnLst>
+                                </p:cTn>
+                              </p:par>
+                            </p:childTnLst>
+                          </p:cTn>
+                        </p:par>
+                      </p:childTnLst>
+                    </p:cTn>
+                  </p:par>
+                  <p:par>
+                    <p:cTn fill="hold">
+                      <p:stCondLst>
+                        <p:cond delay="indefinite"/>
+                      </p:stCondLst>
+                      <p:childTnLst>
+                        <p:par>
+                          <p:cTn fill="hold">
+                            <p:stCondLst>
+                              <p:cond delay="0"/>
+                            </p:stCondLst>
+                            <p:childTnLst>
+                              <p:par>
+                                <p:cTn fill="hold" nodeType="clickEffect" presetClass="entr" presetID="1" presetSubtype="0">
+                                  <p:stCondLst>
+                                    <p:cond delay="0"/>
+                                  </p:stCondLst>
+                                  <p:childTnLst>
+                                    <p:set>
+                                      <p:cBhvr>
+                                        <p:cTn dur="1" fill="hold">
+                                          <p:stCondLst>
+                                            <p:cond delay="0"/>
+                                          </p:stCondLst>
+                                        </p:cTn>
+                                        <p:tgtEl>
+                                          <p:spTgt spid="103">
+                                            <p:txEl>
+                                              <p:pRg end="3" st="3"/>
+                                            </p:txEl>
+                                          </p:spTgt>
+                                        </p:tgtEl>
+                                        <p:attrNameLst>
+                                          <p:attrName>style.visibility</p:attrName>
+                                        </p:attrNameLst>
+                                      </p:cBhvr>
+                                      <p:to>
+                                        <p:strVal val="visible"/>
+                                      </p:to>
+                                    </p:set>
+                                  </p:childTnLst>
+                                </p:cTn>
+                              </p:par>
+                            </p:childTnLst>
+                          </p:cTn>
+                        </p:par>
+                      </p:childTnLst>
+                    </p:cTn>
+                  </p:par>
+                </p:childTnLst>
+              </p:cTn>
+              <p:prevCondLst>
+                <p:cond evt="onPrev">
+                  <p:tgtEl>
+                    <p:sldTgt/>
+                  </p:tgtEl>
+                </p:cond>
+              </p:prevCondLst>
+              <p:nextCondLst>
+                <p:cond evt="onNext">
+                  <p:tgtEl>
+                    <p:sldTgt/>
+                  </p:tgtEl>
+                </p:cond>
+              </p:nextCondLst>
+            </p:seq>
+          </p:childTnLst>
+        </p:cTn>
+      </p:par>
+    </p:tnLst>
+  </p:timing>
+</p:sld>
+</file>
+
+<file path=ppt/slides/slide5.xml><?xml version="1.0" encoding="utf-8"?>
+<p:sld xmlns:a="http://schemas.openxmlformats.org/drawingml/2006/main" xmlns:r="http://schemas.openxmlformats.org/officeDocument/2006/relationships" xmlns:mc="http://schemas.openxmlformats.org/markup-compatibility/2006" xmlns:mv="urn:schemas-microsoft-com:mac:vml" xmlns:p="http://schemas.openxmlformats.org/presentationml/2006/main" xmlns:c="http://schemas.openxmlformats.org/drawingml/2006/chart" xmlns:dgm="http://schemas.openxmlformats.org/drawingml/2006/diagram" xmlns:o="urn:schemas-microsoft-com:office:office" xmlns:v="urn:schemas-microsoft-com:vml" xmlns:pvml="urn:schemas-microsoft-com:office:powerpoint" xmlns:com="http://schemas.openxmlformats.org/drawingml/2006/compatibility" xmlns:p14="http://schemas.microsoft.com/office/powerpoint/2010/main" xmlns:p15="http://schemas.microsoft.com/office/powerpoint/2012/main">
+  <p:cSld>
+    <p:spTree>
+      <p:nvGrpSpPr>
+        <p:cNvPr id="107" name="Shape 107"/>
+        <p:cNvGrpSpPr/>
+        <p:nvPr/>
+      </p:nvGrpSpPr>
+      <p:grpSpPr>
+        <a:xfrm>
+          <a:off x="0" y="0"/>
+          <a:ext cx="0" cy="0"/>
+          <a:chOff x="0" y="0"/>
+          <a:chExt cx="0" cy="0"/>
+        </a:xfrm>
+      </p:grpSpPr>
+      <p:sp>
+        <p:nvSpPr>
+          <p:cNvPr id="108" name="Google Shape;108;p17"/>
+          <p:cNvSpPr txBox="1"/>
+          <p:nvPr>
+            <p:ph type="title"/>
+          </p:nvPr>
+        </p:nvSpPr>
+        <p:spPr>
+          <a:xfrm>
+            <a:off x="838200" y="365125"/>
+            <a:ext cx="10515600" cy="1325700"/>
+          </a:xfrm>
+          <a:prstGeom prst="rect">
+            <a:avLst/>
+          </a:prstGeom>
+        </p:spPr>
+        <p:txBody>
+          <a:bodyPr anchorCtr="0" anchor="ctr" bIns="45700" lIns="91425" spcFirstLastPara="1" rIns="91425" wrap="square" tIns="45700">
+            <a:noAutofit/>
+          </a:bodyPr>
+          <a:lstStyle/>
+          <a:p>
+            <a:pPr indent="0" lvl="0" marL="0" rtl="0" algn="l">
+              <a:spcBef>
+                <a:spcPts val="0"/>
+              </a:spcBef>
+              <a:spcAft>
+                <a:spcPts val="0"/>
+              </a:spcAft>
+              <a:buNone/>
+            </a:pPr>
+            <a:r>
+              <a:rPr lang="en-US"/>
+              <a:t>As the senior pair</a:t>
+            </a:r>
+            <a:endParaRPr/>
+          </a:p>
+        </p:txBody>
+      </p:sp>
+      <p:sp>
+        <p:nvSpPr>
+          <p:cNvPr id="109" name="Google Shape;109;p17"/>
+          <p:cNvSpPr txBox="1"/>
+          <p:nvPr>
+            <p:ph idx="1" type="body"/>
+          </p:nvPr>
+        </p:nvSpPr>
+        <p:spPr>
+          <a:xfrm>
+            <a:off x="464625" y="1825625"/>
+            <a:ext cx="11169900" cy="4351200"/>
+          </a:xfrm>
+          <a:prstGeom prst="rect">
+            <a:avLst/>
+          </a:prstGeom>
+        </p:spPr>
+        <p:txBody>
+          <a:bodyPr anchorCtr="0" anchor="t" bIns="45700" lIns="91425" spcFirstLastPara="1" rIns="91425" wrap="square" tIns="45700">
+            <a:noAutofit/>
+          </a:bodyPr>
+          <a:lstStyle/>
+          <a:p>
+            <a:pPr indent="-431800" lvl="0" marL="457200" rtl="0" algn="l">
+              <a:lnSpc>
+                <a:spcPct val="100000"/>
+              </a:lnSpc>
+              <a:spcBef>
+                <a:spcPts val="1000"/>
+              </a:spcBef>
+              <a:spcAft>
+                <a:spcPts val="0"/>
+              </a:spcAft>
+              <a:buSzPts val="3200"/>
+              <a:buChar char="•"/>
+            </a:pPr>
+            <a:r>
+              <a:rPr lang="en-US" sz="3200"/>
+              <a:t>Choose a pace that your partner can maintain</a:t>
+            </a:r>
+            <a:endParaRPr sz="3200"/>
+          </a:p>
+          <a:p>
+            <a:pPr indent="-431800" lvl="0" marL="457200" rtl="0" algn="l">
+              <a:lnSpc>
+                <a:spcPct val="100000"/>
+              </a:lnSpc>
+              <a:spcBef>
+                <a:spcPts val="0"/>
+              </a:spcBef>
+              <a:spcAft>
+                <a:spcPts val="0"/>
+              </a:spcAft>
+              <a:buSzPts val="3200"/>
+              <a:buChar char="•"/>
+            </a:pPr>
+            <a:r>
+              <a:rPr lang="en-US" sz="3200"/>
+              <a:t>Make sure your partner is comfortable stopping you to ask questions</a:t>
+            </a:r>
+            <a:endParaRPr sz="3200"/>
+          </a:p>
+          <a:p>
+            <a:pPr indent="-431800" lvl="0" marL="457200" rtl="0" algn="l">
+              <a:lnSpc>
+                <a:spcPct val="100000"/>
+              </a:lnSpc>
+              <a:spcBef>
+                <a:spcPts val="0"/>
+              </a:spcBef>
+              <a:spcAft>
+                <a:spcPts val="0"/>
+              </a:spcAft>
+              <a:buSzPts val="3200"/>
+              <a:buChar char="•"/>
+            </a:pPr>
+            <a:r>
+              <a:rPr lang="en-US" sz="3200"/>
+              <a:t>Don’t confuse completing all the requirements with learning</a:t>
+            </a:r>
+            <a:endParaRPr sz="3200"/>
+          </a:p>
+          <a:p>
+            <a:pPr indent="-431800" lvl="0" marL="457200" rtl="0" algn="l">
+              <a:lnSpc>
+                <a:spcPct val="100000"/>
+              </a:lnSpc>
+              <a:spcBef>
+                <a:spcPts val="0"/>
+              </a:spcBef>
+              <a:spcAft>
+                <a:spcPts val="0"/>
+              </a:spcAft>
+              <a:buSzPts val="3200"/>
+              <a:buChar char="•"/>
+            </a:pPr>
+            <a:r>
+              <a:rPr lang="en-US" sz="3200"/>
+              <a:t>“What should we try next?”</a:t>
+            </a:r>
+            <a:endParaRPr sz="3200"/>
+          </a:p>
+          <a:p>
+            <a:pPr indent="-431800" lvl="0" marL="457200" rtl="0" algn="l">
+              <a:lnSpc>
+                <a:spcPct val="100000"/>
+              </a:lnSpc>
+              <a:spcBef>
+                <a:spcPts val="0"/>
+              </a:spcBef>
+              <a:spcAft>
+                <a:spcPts val="0"/>
+              </a:spcAft>
+              <a:buSzPts val="3200"/>
+              <a:buChar char="•"/>
+            </a:pPr>
+            <a:r>
+              <a:rPr lang="en-US" sz="3200"/>
+              <a:t>Expertise is knowing the right path to the solution</a:t>
+            </a:r>
+            <a:endParaRPr sz="3200"/>
+          </a:p>
+          <a:p>
+            <a:pPr indent="-431800" lvl="0" marL="457200" rtl="0" algn="l">
+              <a:lnSpc>
+                <a:spcPct val="100000"/>
+              </a:lnSpc>
+              <a:spcBef>
+                <a:spcPts val="0"/>
+              </a:spcBef>
+              <a:spcAft>
+                <a:spcPts val="0"/>
+              </a:spcAft>
+              <a:buSzPts val="3200"/>
+              <a:buChar char="•"/>
+            </a:pPr>
+            <a:r>
+              <a:rPr lang="en-US" sz="3200"/>
+              <a:t>Mastery is knowing all the wrong paths &amp; why they might look right</a:t>
+            </a:r>
+            <a:endParaRPr sz="3200"/>
+          </a:p>
+        </p:txBody>
+      </p:sp>
+    </p:spTree>
+  </p:cSld>
+  <p:clrMapOvr>
+    <a:masterClrMapping/>
+  </p:clrMapOvr>
+  <p:timing>
+    <p:tnLst>
+      <p:par>
+        <p:cTn dur="indefinite" nodeType="tmRoot" restart="never">
+          <p:childTnLst>
+            <p:seq concurrent="1" nextAc="seek">
+              <p:cTn dur="indefinite" id="2" nodeType="mainSeq">
+                <p:childTnLst>
+                  <p:par>
+                    <p:cTn fill="hold">
+                      <p:stCondLst>
+                        <p:cond delay="indefinite"/>
+                      </p:stCondLst>
+                      <p:childTnLst>
+                        <p:par>
+                          <p:cTn fill="hold">
+                            <p:stCondLst>
+                              <p:cond delay="0"/>
+                            </p:stCondLst>
+                            <p:childTnLst>
+                              <p:par>
+                                <p:cTn fill="hold" nodeType="clickEffect" presetClass="entr" presetID="1" presetSubtype="0">
+                                  <p:stCondLst>
+                                    <p:cond delay="0"/>
+                                  </p:stCondLst>
+                                  <p:childTnLst>
+                                    <p:set>
+                                      <p:cBhvr>
+                                        <p:cTn dur="1" fill="hold">
+                                          <p:stCondLst>
+                                            <p:cond delay="0"/>
+                                          </p:stCondLst>
+                                        </p:cTn>
+                                        <p:tgtEl>
+                                          <p:spTgt spid="109">
+                                            <p:txEl>
+                                              <p:pRg end="0" st="0"/>
+                                            </p:txEl>
+                                          </p:spTgt>
+                                        </p:tgtEl>
+                                        <p:attrNameLst>
+                                          <p:attrName>style.visibility</p:attrName>
+                                        </p:attrNameLst>
+                                      </p:cBhvr>
+                                      <p:to>
+                                        <p:strVal val="visible"/>
+                                      </p:to>
+                                    </p:set>
+                                  </p:childTnLst>
+                                </p:cTn>
+                              </p:par>
+                            </p:childTnLst>
+                          </p:cTn>
+                        </p:par>
+                      </p:childTnLst>
+                    </p:cTn>
+                  </p:par>
+                  <p:par>
+                    <p:cTn fill="hold">
+                      <p:stCondLst>
+                        <p:cond delay="indefinite"/>
+                      </p:stCondLst>
+                      <p:childTnLst>
+                        <p:par>
+                          <p:cTn fill="hold">
+                            <p:stCondLst>
+                              <p:cond delay="0"/>
+                            </p:stCondLst>
+                            <p:childTnLst>
+                              <p:par>
+                                <p:cTn fill="hold" nodeType="clickEffect" presetClass="entr" presetID="1" presetSubtype="0">
+                                  <p:stCondLst>
+                                    <p:cond delay="0"/>
+                                  </p:stCondLst>
+                                  <p:childTnLst>
+                                    <p:set>
+                                      <p:cBhvr>
+                                        <p:cTn dur="1" fill="hold">
+                                          <p:stCondLst>
+                                            <p:cond delay="0"/>
+                                          </p:stCondLst>
+                                        </p:cTn>
+                                        <p:tgtEl>
+                                          <p:spTgt spid="109">
+                                            <p:txEl>
+                                              <p:pRg end="1" st="1"/>
+                                            </p:txEl>
+                                          </p:spTgt>
+                                        </p:tgtEl>
+                                        <p:attrNameLst>
+                                          <p:attrName>style.visibility</p:attrName>
+                                        </p:attrNameLst>
+                                      </p:cBhvr>
+                                      <p:to>
+                                        <p:strVal val="visible"/>
+                                      </p:to>
+                                    </p:set>
+                                  </p:childTnLst>
+                                </p:cTn>
+                              </p:par>
+                            </p:childTnLst>
+                          </p:cTn>
+                        </p:par>
+                      </p:childTnLst>
+                    </p:cTn>
+                  </p:par>
+                  <p:par>
+                    <p:cTn fill="hold">
+                      <p:stCondLst>
+                        <p:cond delay="indefinite"/>
+                      </p:stCondLst>
+                      <p:childTnLst>
+                        <p:par>
+                          <p:cTn fill="hold">
+                            <p:stCondLst>
+                              <p:cond delay="0"/>
+                            </p:stCondLst>
+                            <p:childTnLst>
+                              <p:par>
+                                <p:cTn fill="hold" nodeType="clickEffect" presetClass="entr" presetID="1" presetSubtype="0">
+                                  <p:stCondLst>
+                                    <p:cond delay="0"/>
+                                  </p:stCondLst>
+                                  <p:childTnLst>
+                                    <p:set>
+                                      <p:cBhvr>
+                                        <p:cTn dur="1" fill="hold">
+                                          <p:stCondLst>
+                                            <p:cond delay="0"/>
+                                          </p:stCondLst>
+                                        </p:cTn>
+                                        <p:tgtEl>
+                                          <p:spTgt spid="109">
+                                            <p:txEl>
+                                              <p:pRg end="2" st="2"/>
+                                            </p:txEl>
+                                          </p:spTgt>
+                                        </p:tgtEl>
+                                        <p:attrNameLst>
+                                          <p:attrName>style.visibility</p:attrName>
+                                        </p:attrNameLst>
+                                      </p:cBhvr>
+                                      <p:to>
+                                        <p:strVal val="visible"/>
+                                      </p:to>
+                                    </p:set>
+                                  </p:childTnLst>
+                                </p:cTn>
+                              </p:par>
+                            </p:childTnLst>
+                          </p:cTn>
+                        </p:par>
+                      </p:childTnLst>
+                    </p:cTn>
+                  </p:par>
+                  <p:par>
+                    <p:cTn fill="hold">
+                      <p:stCondLst>
+                        <p:cond delay="indefinite"/>
+                      </p:stCondLst>
+                      <p:childTnLst>
+                        <p:par>
+                          <p:cTn fill="hold">
+                            <p:stCondLst>
+                              <p:cond delay="0"/>
+                            </p:stCondLst>
+                            <p:childTnLst>
+                              <p:par>
+                                <p:cTn fill="hold" nodeType="clickEffect" presetClass="entr" presetID="1" presetSubtype="0">
+                                  <p:stCondLst>
+                                    <p:cond delay="0"/>
+                                  </p:stCondLst>
+                                  <p:childTnLst>
+                                    <p:set>
+                                      <p:cBhvr>
+                                        <p:cTn dur="1" fill="hold">
+                                          <p:stCondLst>
+                                            <p:cond delay="0"/>
+                                          </p:stCondLst>
+                                        </p:cTn>
+                                        <p:tgtEl>
+                                          <p:spTgt spid="109">
+                                            <p:txEl>
+                                              <p:pRg end="3" st="3"/>
+                                            </p:txEl>
+                                          </p:spTgt>
+                                        </p:tgtEl>
+                                        <p:attrNameLst>
+                                          <p:attrName>style.visibility</p:attrName>
+                                        </p:attrNameLst>
+                                      </p:cBhvr>
+                                      <p:to>
+                                        <p:strVal val="visible"/>
+                                      </p:to>
+                                    </p:set>
+                                  </p:childTnLst>
+                                </p:cTn>
+                              </p:par>
+                            </p:childTnLst>
+                          </p:cTn>
+                        </p:par>
+                      </p:childTnLst>
+                    </p:cTn>
+                  </p:par>
+                  <p:par>
+                    <p:cTn fill="hold">
+                      <p:stCondLst>
+                        <p:cond delay="indefinite"/>
+                      </p:stCondLst>
+                      <p:childTnLst>
+                        <p:par>
+                          <p:cTn fill="hold">
+                            <p:stCondLst>
+                              <p:cond delay="0"/>
+                            </p:stCondLst>
+                            <p:childTnLst>
+                              <p:par>
+                                <p:cTn fill="hold" nodeType="clickEffect" presetClass="entr" presetID="1" presetSubtype="0">
+                                  <p:stCondLst>
+                                    <p:cond delay="0"/>
+                                  </p:stCondLst>
+                                  <p:childTnLst>
+                                    <p:set>
+                                      <p:cBhvr>
+                                        <p:cTn dur="1" fill="hold">
+                                          <p:stCondLst>
+                                            <p:cond delay="0"/>
+                                          </p:stCondLst>
+                                        </p:cTn>
+                                        <p:tgtEl>
+                                          <p:spTgt spid="109">
+                                            <p:txEl>
+                                              <p:pRg end="4" st="4"/>
+                                            </p:txEl>
+                                          </p:spTgt>
+                                        </p:tgtEl>
+                                        <p:attrNameLst>
+                                          <p:attrName>style.visibility</p:attrName>
+                                        </p:attrNameLst>
+                                      </p:cBhvr>
+                                      <p:to>
+                                        <p:strVal val="visible"/>
+                                      </p:to>
+                                    </p:set>
+                                  </p:childTnLst>
+                                </p:cTn>
+                              </p:par>
+                            </p:childTnLst>
+                          </p:cTn>
+                        </p:par>
+                      </p:childTnLst>
+                    </p:cTn>
+                  </p:par>
+                  <p:par>
+                    <p:cTn fill="hold">
+                      <p:stCondLst>
+                        <p:cond delay="indefinite"/>
+                      </p:stCondLst>
+                      <p:childTnLst>
+                        <p:par>
+                          <p:cTn fill="hold">
+                            <p:stCondLst>
+                              <p:cond delay="0"/>
+                            </p:stCondLst>
+                            <p:childTnLst>
+                              <p:par>
+                                <p:cTn fill="hold" nodeType="clickEffect" presetClass="entr" presetID="1" presetSubtype="0">
+                                  <p:stCondLst>
+                                    <p:cond delay="0"/>
+                                  </p:stCondLst>
+                                  <p:childTnLst>
+                                    <p:set>
+                                      <p:cBhvr>
+                                        <p:cTn dur="1" fill="hold">
+                                          <p:stCondLst>
+                                            <p:cond delay="0"/>
+                                          </p:stCondLst>
+                                        </p:cTn>
+                                        <p:tgtEl>
+                                          <p:spTgt spid="109">
+                                            <p:txEl>
+                                              <p:pRg end="5" st="5"/>
+                                            </p:txEl>
+                                          </p:spTgt>
+                                        </p:tgtEl>
+                                        <p:attrNameLst>
+                                          <p:attrName>style.visibility</p:attrName>
+                                        </p:attrNameLst>
+                                      </p:cBhvr>
+                                      <p:to>
+                                        <p:strVal val="visible"/>
+                                      </p:to>
+                                    </p:set>
+                                  </p:childTnLst>
+                                </p:cTn>
+                              </p:par>
+                            </p:childTnLst>
+                          </p:cTn>
+                        </p:par>
+                      </p:childTnLst>
+                    </p:cTn>
+                  </p:par>
+                </p:childTnLst>
+              </p:cTn>
+              <p:prevCondLst>
+                <p:cond evt="onPrev">
+                  <p:tgtEl>
+                    <p:sldTgt/>
+                  </p:tgtEl>
+                </p:cond>
+              </p:prevCondLst>
+              <p:nextCondLst>
+                <p:cond evt="onNext">
+                  <p:tgtEl>
+                    <p:sldTgt/>
+                  </p:tgtEl>
+                </p:cond>
+              </p:nextCondLst>
+            </p:seq>
+          </p:childTnLst>
+        </p:cTn>
+      </p:par>
+    </p:tnLst>
+  </p:timing>
+</p:sld>
+</file>
+
+<file path=ppt/slides/slide6.xml><?xml version="1.0" encoding="utf-8"?>
+<p:sld xmlns:a="http://schemas.openxmlformats.org/drawingml/2006/main" xmlns:r="http://schemas.openxmlformats.org/officeDocument/2006/relationships" xmlns:mc="http://schemas.openxmlformats.org/markup-compatibility/2006" xmlns:mv="urn:schemas-microsoft-com:mac:vml" xmlns:p="http://schemas.openxmlformats.org/presentationml/2006/main" xmlns:c="http://schemas.openxmlformats.org/drawingml/2006/chart" xmlns:dgm="http://schemas.openxmlformats.org/drawingml/2006/diagram" xmlns:o="urn:schemas-microsoft-com:office:office" xmlns:v="urn:schemas-microsoft-com:vml" xmlns:pvml="urn:schemas-microsoft-com:office:powerpoint" xmlns:com="http://schemas.openxmlformats.org/drawingml/2006/compatibility" xmlns:p14="http://schemas.microsoft.com/office/powerpoint/2010/main" xmlns:p15="http://schemas.microsoft.com/office/powerpoint/2012/main">
+  <p:cSld>
+    <p:spTree>
+      <p:nvGrpSpPr>
+        <p:cNvPr id="113" name="Shape 113"/>
+        <p:cNvGrpSpPr/>
+        <p:nvPr/>
+      </p:nvGrpSpPr>
+      <p:grpSpPr>
+        <a:xfrm>
+          <a:off x="0" y="0"/>
+          <a:ext cx="0" cy="0"/>
+          <a:chOff x="0" y="0"/>
+          <a:chExt cx="0" cy="0"/>
+        </a:xfrm>
+      </p:grpSpPr>
+      <p:sp>
+        <p:nvSpPr>
+          <p:cNvPr id="114" name="Google Shape;114;p18"/>
+          <p:cNvSpPr txBox="1"/>
+          <p:nvPr>
+            <p:ph type="title"/>
+          </p:nvPr>
+        </p:nvSpPr>
+        <p:spPr>
+          <a:xfrm>
+            <a:off x="838200" y="365125"/>
+            <a:ext cx="10515600" cy="1325563"/>
           </a:xfrm>
           <a:prstGeom prst="rect">
             <a:avLst/>
@@ -12374,7 +13777,111 @@
             <a:noFill/>
           </a:ln>
         </p:spPr>
-      </p:pic>
+        <p:txBody>
+          <a:bodyPr anchorCtr="0" anchor="ctr" bIns="45700" lIns="91425" spcFirstLastPara="1" rIns="91425" wrap="square" tIns="45700">
+            <a:noAutofit/>
+          </a:bodyPr>
+          <a:lstStyle/>
+          <a:p>
+            <a:pPr indent="0" lvl="0" marL="0" rtl="0" algn="l">
+              <a:lnSpc>
+                <a:spcPct val="90000"/>
+              </a:lnSpc>
+              <a:spcBef>
+                <a:spcPts val="0"/>
+              </a:spcBef>
+              <a:spcAft>
+                <a:spcPts val="0"/>
+              </a:spcAft>
+              <a:buClr>
+                <a:schemeClr val="dk1"/>
+              </a:buClr>
+              <a:buSzPts val="4400"/>
+              <a:buFont typeface="Calibri"/>
+              <a:buNone/>
+            </a:pPr>
+            <a:r>
+              <a:rPr lang="en-US"/>
+              <a:t>Pairing logistics</a:t>
+            </a:r>
+            <a:endParaRPr/>
+          </a:p>
+        </p:txBody>
+      </p:sp>
+      <p:sp>
+        <p:nvSpPr>
+          <p:cNvPr id="115" name="Google Shape;115;p18"/>
+          <p:cNvSpPr txBox="1"/>
+          <p:nvPr>
+            <p:ph idx="1" type="body"/>
+          </p:nvPr>
+        </p:nvSpPr>
+        <p:spPr>
+          <a:xfrm>
+            <a:off x="838200" y="1825625"/>
+            <a:ext cx="10515600" cy="4351338"/>
+          </a:xfrm>
+          <a:prstGeom prst="rect">
+            <a:avLst/>
+          </a:prstGeom>
+          <a:noFill/>
+          <a:ln>
+            <a:noFill/>
+          </a:ln>
+        </p:spPr>
+        <p:txBody>
+          <a:bodyPr anchorCtr="0" anchor="t" bIns="45700" lIns="91425" spcFirstLastPara="1" rIns="91425" wrap="square" tIns="45700">
+            <a:noAutofit/>
+          </a:bodyPr>
+          <a:lstStyle/>
+          <a:p>
+            <a:pPr indent="-228600" lvl="0" marL="228600" rtl="0" algn="l">
+              <a:lnSpc>
+                <a:spcPct val="90000"/>
+              </a:lnSpc>
+              <a:spcBef>
+                <a:spcPts val="0"/>
+              </a:spcBef>
+              <a:spcAft>
+                <a:spcPts val="0"/>
+              </a:spcAft>
+              <a:buClr>
+                <a:schemeClr val="dk1"/>
+              </a:buClr>
+              <a:buSzPts val="3200"/>
+              <a:buChar char="•"/>
+            </a:pPr>
+            <a:r>
+              <a:rPr lang="en-US" sz="3200"/>
+              <a:t>Agree on practices and environment (commit style &amp; frequency, etc.)</a:t>
+            </a:r>
+            <a:endParaRPr/>
+          </a:p>
+          <a:p>
+            <a:pPr indent="-228600" lvl="0" marL="228600" rtl="0" algn="l">
+              <a:lnSpc>
+                <a:spcPct val="90000"/>
+              </a:lnSpc>
+              <a:spcBef>
+                <a:spcPts val="1000"/>
+              </a:spcBef>
+              <a:spcAft>
+                <a:spcPts val="0"/>
+              </a:spcAft>
+              <a:buClr>
+                <a:schemeClr val="dk1"/>
+              </a:buClr>
+              <a:buSzPts val="3200"/>
+              <a:buChar char="•"/>
+            </a:pPr>
+            <a:r>
+              <a:rPr lang="en-US" sz="3200"/>
+              <a:t>Err on the side of having a junior driver</a:t>
+            </a:r>
+            <a:endParaRPr/>
+          </a:p>
+        </p:txBody>
+      </p:sp>
     </p:spTree>
   </p:cSld>
   <p:clrMapOvr>
@@ -12383,12 +13890,116 @@
 </p:sld>
 </file>
 
-<file path=ppt/slides/slide4.xml><?xml version="1.0" encoding="utf-8"?>
+<file path=ppt/slides/slide7.xml><?xml version="1.0" encoding="utf-8"?>
 <p:sld xmlns:a="http://schemas.openxmlformats.org/drawingml/2006/main" xmlns:r="http://schemas.openxmlformats.org/officeDocument/2006/relationships" xmlns:mc="http://schemas.openxmlformats.org/markup-compatibility/2006" xmlns:mv="urn:schemas-microsoft-com:mac:vml" xmlns:p="http://schemas.openxmlformats.org/presentationml/2006/main" xmlns:c="http://schemas.openxmlformats.org/drawingml/2006/chart" xmlns:dgm="http://schemas.openxmlformats.org/drawingml/2006/diagram" xmlns:o="urn:schemas-microsoft-com:office:office" xmlns:v="urn:schemas-microsoft-com:vml" xmlns:pvml="urn:schemas-microsoft-com:office:powerpoint" xmlns:com="http://schemas.openxmlformats.org/drawingml/2006/compatibility" xmlns:p14="http://schemas.microsoft.com/office/powerpoint/2010/main" xmlns:p15="http://schemas.microsoft.com/office/powerpoint/2012/main">
   <p:cSld>
     <p:spTree>
       <p:nvGrpSpPr>
-        <p:cNvPr id="100" name="Shape 100"/>
+        <p:cNvPr id="119" name="Shape 119"/>
+        <p:cNvGrpSpPr/>
+        <p:nvPr/>
+      </p:nvGrpSpPr>
+      <p:grpSpPr>
+        <a:xfrm>
+          <a:off x="0" y="0"/>
+          <a:ext cx="0" cy="0"/>
+          <a:chOff x="0" y="0"/>
+          <a:chExt cx="0" cy="0"/>
+        </a:xfrm>
+      </p:grpSpPr>
+      <p:sp>
+        <p:nvSpPr>
+          <p:cNvPr id="120" name="Google Shape;120;p19"/>
+          <p:cNvSpPr txBox="1"/>
+          <p:nvPr>
+            <p:ph type="title"/>
+          </p:nvPr>
+        </p:nvSpPr>
+        <p:spPr>
+          <a:xfrm>
+            <a:off x="3803875" y="1709750"/>
+            <a:ext cx="7543500" cy="1983900"/>
+          </a:xfrm>
+          <a:prstGeom prst="rect">
+            <a:avLst/>
+          </a:prstGeom>
+        </p:spPr>
+        <p:txBody>
+          <a:bodyPr anchorCtr="0" anchor="b" bIns="45700" lIns="91425" spcFirstLastPara="1" rIns="91425" wrap="square" tIns="45700">
+            <a:noAutofit/>
+          </a:bodyPr>
+          <a:lstStyle/>
+          <a:p>
+            <a:pPr indent="0" lvl="0" marL="0" rtl="0" algn="l">
+              <a:spcBef>
+                <a:spcPts val="0"/>
+              </a:spcBef>
+              <a:spcAft>
+                <a:spcPts val="0"/>
+              </a:spcAft>
+              <a:buNone/>
+            </a:pPr>
+            <a:r>
+              <a:rPr lang="en-US"/>
+              <a:t>Thanks!</a:t>
+            </a:r>
+            <a:endParaRPr/>
+          </a:p>
+        </p:txBody>
+      </p:sp>
+      <p:sp>
+        <p:nvSpPr>
+          <p:cNvPr id="121" name="Google Shape;121;p19"/>
+          <p:cNvSpPr txBox="1"/>
+          <p:nvPr>
+            <p:ph idx="1" type="body"/>
+          </p:nvPr>
+        </p:nvSpPr>
+        <p:spPr>
+          <a:xfrm>
+            <a:off x="831850" y="4589463"/>
+            <a:ext cx="10515600" cy="1500300"/>
+          </a:xfrm>
+          <a:prstGeom prst="rect">
+            <a:avLst/>
+          </a:prstGeom>
+        </p:spPr>
+        <p:txBody>
+          <a:bodyPr anchorCtr="0" anchor="t" bIns="45700" lIns="91425" spcFirstLastPara="1" rIns="91425" wrap="square" tIns="45700">
+            <a:noAutofit/>
+          </a:bodyPr>
+          <a:lstStyle/>
+          <a:p>
+            <a:pPr indent="0" lvl="0" marL="0" rtl="0" algn="l">
+              <a:spcBef>
+                <a:spcPts val="1000"/>
+              </a:spcBef>
+              <a:spcAft>
+                <a:spcPts val="0"/>
+              </a:spcAft>
+              <a:buNone/>
+            </a:pPr>
+            <a:r>
+              <a:t/>
+            </a:r>
+            <a:endParaRPr/>
+          </a:p>
+        </p:txBody>
+      </p:sp>
+    </p:spTree>
+  </p:cSld>
+  <p:clrMapOvr>
+    <a:masterClrMapping/>
+  </p:clrMapOvr>
+</p:sld>
+</file>
+
+<file path=ppt/slides/slide8.xml><?xml version="1.0" encoding="utf-8"?>
+<p:sld xmlns:a="http://schemas.openxmlformats.org/drawingml/2006/main" xmlns:r="http://schemas.openxmlformats.org/officeDocument/2006/relationships" xmlns:mc="http://schemas.openxmlformats.org/markup-compatibility/2006" xmlns:mv="urn:schemas-microsoft-com:mac:vml" xmlns:p="http://schemas.openxmlformats.org/presentationml/2006/main" xmlns:c="http://schemas.openxmlformats.org/drawingml/2006/chart" xmlns:dgm="http://schemas.openxmlformats.org/drawingml/2006/diagram" xmlns:o="urn:schemas-microsoft-com:office:office" xmlns:v="urn:schemas-microsoft-com:vml" xmlns:pvml="urn:schemas-microsoft-com:office:powerpoint" xmlns:com="http://schemas.openxmlformats.org/drawingml/2006/compatibility" xmlns:p14="http://schemas.microsoft.com/office/powerpoint/2010/main" xmlns:p15="http://schemas.microsoft.com/office/powerpoint/2012/main">
+  <p:cSld>
+    <p:spTree>
+      <p:nvGrpSpPr>
+        <p:cNvPr id="125" name="Shape 125"/>
         <p:cNvGrpSpPr/>
         <p:nvPr/>
       </p:nvGrpSpPr>
@@ -12402,7 +14013,7 @@
       </p:grpSpPr>
       <p:pic>
         <p:nvPicPr>
-          <p:cNvPr id="101" name="Google Shape;101;p16"/>
+          <p:cNvPr id="126" name="Google Shape;126;p20"/>
           <p:cNvPicPr preferRelativeResize="0"/>
           <p:nvPr/>
         </p:nvPicPr>
@@ -12429,7 +14040,7 @@
       </p:pic>
       <p:pic>
         <p:nvPicPr>
-          <p:cNvPr id="102" name="Google Shape;102;p16"/>
+          <p:cNvPr id="127" name="Google Shape;127;p20"/>
           <p:cNvPicPr preferRelativeResize="0"/>
           <p:nvPr/>
         </p:nvPicPr>
@@ -12454,367 +14065,6 @@
           </a:ln>
         </p:spPr>
       </p:pic>
-    </p:spTree>
-  </p:cSld>
-  <p:clrMapOvr>
-    <a:masterClrMapping/>
-  </p:clrMapOvr>
-</p:sld>
-</file>
-
-<file path=ppt/slides/slide5.xml><?xml version="1.0" encoding="utf-8"?>
-<p:sld xmlns:a="http://schemas.openxmlformats.org/drawingml/2006/main" xmlns:r="http://schemas.openxmlformats.org/officeDocument/2006/relationships" xmlns:mc="http://schemas.openxmlformats.org/markup-compatibility/2006" xmlns:mv="urn:schemas-microsoft-com:mac:vml" xmlns:p="http://schemas.openxmlformats.org/presentationml/2006/main" xmlns:c="http://schemas.openxmlformats.org/drawingml/2006/chart" xmlns:dgm="http://schemas.openxmlformats.org/drawingml/2006/diagram" xmlns:o="urn:schemas-microsoft-com:office:office" xmlns:v="urn:schemas-microsoft-com:vml" xmlns:pvml="urn:schemas-microsoft-com:office:powerpoint" xmlns:com="http://schemas.openxmlformats.org/drawingml/2006/compatibility" xmlns:p14="http://schemas.microsoft.com/office/powerpoint/2010/main" xmlns:p15="http://schemas.microsoft.com/office/powerpoint/2012/main">
-  <p:cSld>
-    <p:spTree>
-      <p:nvGrpSpPr>
-        <p:cNvPr id="106" name="Shape 106"/>
-        <p:cNvGrpSpPr/>
-        <p:nvPr/>
-      </p:nvGrpSpPr>
-      <p:grpSpPr>
-        <a:xfrm>
-          <a:off x="0" y="0"/>
-          <a:ext cx="0" cy="0"/>
-          <a:chOff x="0" y="0"/>
-          <a:chExt cx="0" cy="0"/>
-        </a:xfrm>
-      </p:grpSpPr>
-      <p:pic>
-        <p:nvPicPr>
-          <p:cNvPr id="107" name="Google Shape;107;p17"/>
-          <p:cNvPicPr preferRelativeResize="0"/>
-          <p:nvPr/>
-        </p:nvPicPr>
-        <p:blipFill rotWithShape="1">
-          <a:blip r:embed="rId3">
-            <a:alphaModFix/>
-          </a:blip>
-          <a:srcRect b="0" l="0" r="0" t="0"/>
-          <a:stretch/>
-        </p:blipFill>
-        <p:spPr>
-          <a:xfrm>
-            <a:off x="0" y="0"/>
-            <a:ext cx="12192000" cy="6858000"/>
-          </a:xfrm>
-          <a:prstGeom prst="rect">
-            <a:avLst/>
-          </a:prstGeom>
-          <a:noFill/>
-          <a:ln>
-            <a:noFill/>
-          </a:ln>
-        </p:spPr>
-      </p:pic>
-      <p:pic>
-        <p:nvPicPr>
-          <p:cNvPr id="108" name="Google Shape;108;p17"/>
-          <p:cNvPicPr preferRelativeResize="0"/>
-          <p:nvPr/>
-        </p:nvPicPr>
-        <p:blipFill rotWithShape="1">
-          <a:blip r:embed="rId4">
-            <a:alphaModFix/>
-          </a:blip>
-          <a:srcRect b="0" l="0" r="0" t="0"/>
-          <a:stretch/>
-        </p:blipFill>
-        <p:spPr>
-          <a:xfrm>
-            <a:off x="609600" y="0"/>
-            <a:ext cx="10972800" cy="6858000"/>
-          </a:xfrm>
-          <a:prstGeom prst="rect">
-            <a:avLst/>
-          </a:prstGeom>
-          <a:noFill/>
-          <a:ln>
-            <a:noFill/>
-          </a:ln>
-        </p:spPr>
-      </p:pic>
-    </p:spTree>
-  </p:cSld>
-  <p:clrMapOvr>
-    <a:masterClrMapping/>
-  </p:clrMapOvr>
-</p:sld>
-</file>
-
-<file path=ppt/slides/slide6.xml><?xml version="1.0" encoding="utf-8"?>
-<p:sld xmlns:a="http://schemas.openxmlformats.org/drawingml/2006/main" xmlns:r="http://schemas.openxmlformats.org/officeDocument/2006/relationships" xmlns:mc="http://schemas.openxmlformats.org/markup-compatibility/2006" xmlns:mv="urn:schemas-microsoft-com:mac:vml" xmlns:p="http://schemas.openxmlformats.org/presentationml/2006/main" xmlns:c="http://schemas.openxmlformats.org/drawingml/2006/chart" xmlns:dgm="http://schemas.openxmlformats.org/drawingml/2006/diagram" xmlns:o="urn:schemas-microsoft-com:office:office" xmlns:v="urn:schemas-microsoft-com:vml" xmlns:pvml="urn:schemas-microsoft-com:office:powerpoint" xmlns:com="http://schemas.openxmlformats.org/drawingml/2006/compatibility" xmlns:p14="http://schemas.microsoft.com/office/powerpoint/2010/main" xmlns:p15="http://schemas.microsoft.com/office/powerpoint/2012/main">
-  <p:cSld>
-    <p:spTree>
-      <p:nvGrpSpPr>
-        <p:cNvPr id="112" name="Shape 112"/>
-        <p:cNvGrpSpPr/>
-        <p:nvPr/>
-      </p:nvGrpSpPr>
-      <p:grpSpPr>
-        <a:xfrm>
-          <a:off x="0" y="0"/>
-          <a:ext cx="0" cy="0"/>
-          <a:chOff x="0" y="0"/>
-          <a:chExt cx="0" cy="0"/>
-        </a:xfrm>
-      </p:grpSpPr>
-      <p:pic>
-        <p:nvPicPr>
-          <p:cNvPr id="113" name="Google Shape;113;p18"/>
-          <p:cNvPicPr preferRelativeResize="0"/>
-          <p:nvPr/>
-        </p:nvPicPr>
-        <p:blipFill rotWithShape="1">
-          <a:blip r:embed="rId3">
-            <a:alphaModFix/>
-          </a:blip>
-          <a:srcRect b="0" l="0" r="0" t="0"/>
-          <a:stretch/>
-        </p:blipFill>
-        <p:spPr>
-          <a:xfrm>
-            <a:off x="0" y="0"/>
-            <a:ext cx="12192000" cy="6858000"/>
-          </a:xfrm>
-          <a:prstGeom prst="rect">
-            <a:avLst/>
-          </a:prstGeom>
-          <a:noFill/>
-          <a:ln>
-            <a:noFill/>
-          </a:ln>
-        </p:spPr>
-      </p:pic>
-      <p:pic>
-        <p:nvPicPr>
-          <p:cNvPr id="114" name="Google Shape;114;p18"/>
-          <p:cNvPicPr preferRelativeResize="0"/>
-          <p:nvPr/>
-        </p:nvPicPr>
-        <p:blipFill rotWithShape="1">
-          <a:blip r:embed="rId4">
-            <a:alphaModFix/>
-          </a:blip>
-          <a:srcRect b="0" l="0" r="0" t="0"/>
-          <a:stretch/>
-        </p:blipFill>
-        <p:spPr>
-          <a:xfrm>
-            <a:off x="609600" y="0"/>
-            <a:ext cx="10972800" cy="6858000"/>
-          </a:xfrm>
-          <a:prstGeom prst="rect">
-            <a:avLst/>
-          </a:prstGeom>
-          <a:noFill/>
-          <a:ln>
-            <a:noFill/>
-          </a:ln>
-        </p:spPr>
-      </p:pic>
-    </p:spTree>
-  </p:cSld>
-  <p:clrMapOvr>
-    <a:masterClrMapping/>
-  </p:clrMapOvr>
-</p:sld>
-</file>
-
-<file path=ppt/slides/slide7.xml><?xml version="1.0" encoding="utf-8"?>
-<p:sld xmlns:a="http://schemas.openxmlformats.org/drawingml/2006/main" xmlns:r="http://schemas.openxmlformats.org/officeDocument/2006/relationships" xmlns:mc="http://schemas.openxmlformats.org/markup-compatibility/2006" xmlns:mv="urn:schemas-microsoft-com:mac:vml" xmlns:p="http://schemas.openxmlformats.org/presentationml/2006/main" xmlns:c="http://schemas.openxmlformats.org/drawingml/2006/chart" xmlns:dgm="http://schemas.openxmlformats.org/drawingml/2006/diagram" xmlns:o="urn:schemas-microsoft-com:office:office" xmlns:v="urn:schemas-microsoft-com:vml" xmlns:pvml="urn:schemas-microsoft-com:office:powerpoint" xmlns:com="http://schemas.openxmlformats.org/drawingml/2006/compatibility" xmlns:p14="http://schemas.microsoft.com/office/powerpoint/2010/main" xmlns:p15="http://schemas.microsoft.com/office/powerpoint/2012/main">
-  <p:cSld>
-    <p:spTree>
-      <p:nvGrpSpPr>
-        <p:cNvPr id="118" name="Shape 118"/>
-        <p:cNvGrpSpPr/>
-        <p:nvPr/>
-      </p:nvGrpSpPr>
-      <p:grpSpPr>
-        <a:xfrm>
-          <a:off x="0" y="0"/>
-          <a:ext cx="0" cy="0"/>
-          <a:chOff x="0" y="0"/>
-          <a:chExt cx="0" cy="0"/>
-        </a:xfrm>
-      </p:grpSpPr>
-      <p:pic>
-        <p:nvPicPr>
-          <p:cNvPr id="119" name="Google Shape;119;p19"/>
-          <p:cNvPicPr preferRelativeResize="0"/>
-          <p:nvPr/>
-        </p:nvPicPr>
-        <p:blipFill rotWithShape="1">
-          <a:blip r:embed="rId3">
-            <a:alphaModFix/>
-          </a:blip>
-          <a:srcRect b="0" l="0" r="0" t="0"/>
-          <a:stretch/>
-        </p:blipFill>
-        <p:spPr>
-          <a:xfrm>
-            <a:off x="609600" y="0"/>
-            <a:ext cx="10972800" cy="6858000"/>
-          </a:xfrm>
-          <a:prstGeom prst="rect">
-            <a:avLst/>
-          </a:prstGeom>
-          <a:noFill/>
-          <a:ln>
-            <a:noFill/>
-          </a:ln>
-        </p:spPr>
-      </p:pic>
-    </p:spTree>
-  </p:cSld>
-  <p:clrMapOvr>
-    <a:masterClrMapping/>
-  </p:clrMapOvr>
-</p:sld>
-</file>
-
-<file path=ppt/slides/slide8.xml><?xml version="1.0" encoding="utf-8"?>
-<p:sld xmlns:a="http://schemas.openxmlformats.org/drawingml/2006/main" xmlns:r="http://schemas.openxmlformats.org/officeDocument/2006/relationships" xmlns:mc="http://schemas.openxmlformats.org/markup-compatibility/2006" xmlns:mv="urn:schemas-microsoft-com:mac:vml" xmlns:p="http://schemas.openxmlformats.org/presentationml/2006/main" xmlns:c="http://schemas.openxmlformats.org/drawingml/2006/chart" xmlns:dgm="http://schemas.openxmlformats.org/drawingml/2006/diagram" xmlns:o="urn:schemas-microsoft-com:office:office" xmlns:v="urn:schemas-microsoft-com:vml" xmlns:pvml="urn:schemas-microsoft-com:office:powerpoint" xmlns:com="http://schemas.openxmlformats.org/drawingml/2006/compatibility" xmlns:p14="http://schemas.microsoft.com/office/powerpoint/2010/main" xmlns:p15="http://schemas.microsoft.com/office/powerpoint/2012/main">
-  <p:cSld>
-    <p:spTree>
-      <p:nvGrpSpPr>
-        <p:cNvPr id="123" name="Shape 123"/>
-        <p:cNvGrpSpPr/>
-        <p:nvPr/>
-      </p:nvGrpSpPr>
-      <p:grpSpPr>
-        <a:xfrm>
-          <a:off x="0" y="0"/>
-          <a:ext cx="0" cy="0"/>
-          <a:chOff x="0" y="0"/>
-          <a:chExt cx="0" cy="0"/>
-        </a:xfrm>
-      </p:grpSpPr>
-      <p:sp>
-        <p:nvSpPr>
-          <p:cNvPr id="124" name="Google Shape;124;p20"/>
-          <p:cNvSpPr txBox="1"/>
-          <p:nvPr>
-            <p:ph type="title"/>
-          </p:nvPr>
-        </p:nvSpPr>
-        <p:spPr>
-          <a:xfrm>
-            <a:off x="838200" y="365125"/>
-            <a:ext cx="10515600" cy="1325563"/>
-          </a:xfrm>
-          <a:prstGeom prst="rect">
-            <a:avLst/>
-          </a:prstGeom>
-          <a:noFill/>
-          <a:ln>
-            <a:noFill/>
-          </a:ln>
-        </p:spPr>
-        <p:txBody>
-          <a:bodyPr anchorCtr="0" anchor="ctr" bIns="45700" lIns="91425" spcFirstLastPara="1" rIns="91425" wrap="square" tIns="45700">
-            <a:noAutofit/>
-          </a:bodyPr>
-          <a:lstStyle/>
-          <a:p>
-            <a:pPr indent="0" lvl="0" marL="0" rtl="0" algn="l">
-              <a:lnSpc>
-                <a:spcPct val="90000"/>
-              </a:lnSpc>
-              <a:spcBef>
-                <a:spcPts val="0"/>
-              </a:spcBef>
-              <a:spcAft>
-                <a:spcPts val="0"/>
-              </a:spcAft>
-              <a:buClr>
-                <a:schemeClr val="dk1"/>
-              </a:buClr>
-              <a:buSzPts val="4400"/>
-              <a:buFont typeface="Calibri"/>
-              <a:buNone/>
-            </a:pPr>
-            <a:r>
-              <a:rPr lang="en-US"/>
-              <a:t>Pairing logistics</a:t>
-            </a:r>
-            <a:endParaRPr/>
-          </a:p>
-        </p:txBody>
-      </p:sp>
-      <p:sp>
-        <p:nvSpPr>
-          <p:cNvPr id="125" name="Google Shape;125;p20"/>
-          <p:cNvSpPr txBox="1"/>
-          <p:nvPr>
-            <p:ph idx="1" type="body"/>
-          </p:nvPr>
-        </p:nvSpPr>
-        <p:spPr>
-          <a:xfrm>
-            <a:off x="838200" y="1825625"/>
-            <a:ext cx="10515600" cy="4351338"/>
-          </a:xfrm>
-          <a:prstGeom prst="rect">
-            <a:avLst/>
-          </a:prstGeom>
-          <a:noFill/>
-          <a:ln>
-            <a:noFill/>
-          </a:ln>
-        </p:spPr>
-        <p:txBody>
-          <a:bodyPr anchorCtr="0" anchor="t" bIns="45700" lIns="91425" spcFirstLastPara="1" rIns="91425" wrap="square" tIns="45700">
-            <a:noAutofit/>
-          </a:bodyPr>
-          <a:lstStyle/>
-          <a:p>
-            <a:pPr indent="-228600" lvl="0" marL="228600" rtl="0" algn="l">
-              <a:lnSpc>
-                <a:spcPct val="90000"/>
-              </a:lnSpc>
-              <a:spcBef>
-                <a:spcPts val="0"/>
-              </a:spcBef>
-              <a:spcAft>
-                <a:spcPts val="0"/>
-              </a:spcAft>
-              <a:buClr>
-                <a:schemeClr val="dk1"/>
-              </a:buClr>
-              <a:buSzPts val="3200"/>
-              <a:buChar char="•"/>
-            </a:pPr>
-            <a:r>
-              <a:rPr lang="en-US" sz="3200"/>
-              <a:t>Agree on practices and environment (commit style &amp; frequency, etc.)</a:t>
-            </a:r>
-            <a:endParaRPr/>
-          </a:p>
-          <a:p>
-            <a:pPr indent="-228600" lvl="0" marL="228600" rtl="0" algn="l">
-              <a:lnSpc>
-                <a:spcPct val="90000"/>
-              </a:lnSpc>
-              <a:spcBef>
-                <a:spcPts val="1000"/>
-              </a:spcBef>
-              <a:spcAft>
-                <a:spcPts val="0"/>
-              </a:spcAft>
-              <a:buClr>
-                <a:schemeClr val="dk1"/>
-              </a:buClr>
-              <a:buSzPts val="3200"/>
-              <a:buChar char="•"/>
-            </a:pPr>
-            <a:r>
-              <a:rPr lang="en-US" sz="3200"/>
-              <a:t>Err on the side of having a junior driver</a:t>
-            </a:r>
-            <a:endParaRPr/>
-          </a:p>
-        </p:txBody>
-      </p:sp>
     </p:spTree>
   </p:cSld>
   <p:clrMapOvr>
